--- a/Video Ver1/Video PPT/30. Natural Join.pptx
+++ b/Video Ver1/Video PPT/30. Natural Join.pptx
@@ -114,7 +114,7 @@
   </p:defaultTextStyle>
   <p:extLst>
     <p:ext uri="{521415D9-36F7-43E2-AB2F-B90AF26B5E84}">
-      <p14:sectionLst xmlns="" xmlns:p14="http://schemas.microsoft.com/office/powerpoint/2010/main">
+      <p14:sectionLst xmlns:p14="http://schemas.microsoft.com/office/powerpoint/2010/main" xmlns="">
         <p14:section name="Introduction" id="{A3D14946-8297-4856-B082-4FEFA482017C}">
           <p14:sldIdLst>
             <p14:sldId id="282"/>
@@ -755,7 +755,7 @@
       </p14:sectionLst>
     </p:ext>
     <p:ext uri="{EFAFB233-063F-42B5-8137-9DF3F51BA10A}">
-      <p15:sldGuideLst xmlns="" xmlns:p15="http://schemas.microsoft.com/office/powerpoint/2012/main">
+      <p15:sldGuideLst xmlns:p15="http://schemas.microsoft.com/office/powerpoint/2012/main" xmlns="">
         <p15:guide id="1" orient="horz" pos="2160">
           <p15:clr>
             <a:srgbClr val="A4A3A4"/>
@@ -777,7 +777,7 @@
   <p:cmAuthor id="1" name="Saleel" initials="S" lastIdx="1" clrIdx="0">
     <p:extLst>
       <p:ext uri="{19B8F6BF-5375-455C-9EA6-DF929625EA0E}">
-        <p15:presenceInfo xmlns="" xmlns:p15="http://schemas.microsoft.com/office/powerpoint/2012/main" userId="Saleel" providerId="None"/>
+        <p15:presenceInfo xmlns:p15="http://schemas.microsoft.com/office/powerpoint/2012/main" xmlns="" userId="Saleel" providerId="None"/>
       </p:ext>
     </p:extLst>
   </p:cmAuthor>
@@ -867,7 +867,7 @@
             <a:fld id="{4DF51050-3720-483B-B552-57DC1341D582}" type="datetimeFigureOut">
               <a:rPr lang="en-US" smtClean="0"/>
               <a:pPr/>
-              <a:t>6/8/2020</a:t>
+              <a:t>6/15/2020</a:t>
             </a:fld>
             <a:endParaRPr lang="en-US"/>
           </a:p>
@@ -1326,7 +1326,7 @@
             <a:fld id="{EEE556E8-492E-4E8F-8E7F-7A7787724D01}" type="datetimeFigureOut">
               <a:rPr lang="en-US" smtClean="0"/>
               <a:pPr/>
-              <a:t>6/8/2020</a:t>
+              <a:t>6/15/2020</a:t>
             </a:fld>
             <a:endParaRPr lang="en-US"/>
           </a:p>
@@ -1531,7 +1531,7 @@
             <a:fld id="{EEE556E8-492E-4E8F-8E7F-7A7787724D01}" type="datetimeFigureOut">
               <a:rPr lang="en-US" smtClean="0"/>
               <a:pPr/>
-              <a:t>6/8/2020</a:t>
+              <a:t>6/15/2020</a:t>
             </a:fld>
             <a:endParaRPr lang="en-US"/>
           </a:p>
@@ -1736,7 +1736,7 @@
             <a:fld id="{EEE556E8-492E-4E8F-8E7F-7A7787724D01}" type="datetimeFigureOut">
               <a:rPr lang="en-US" smtClean="0"/>
               <a:pPr/>
-              <a:t>6/8/2020</a:t>
+              <a:t>6/15/2020</a:t>
             </a:fld>
             <a:endParaRPr lang="en-US"/>
           </a:p>
@@ -1941,7 +1941,7 @@
             <a:fld id="{EEE556E8-492E-4E8F-8E7F-7A7787724D01}" type="datetimeFigureOut">
               <a:rPr lang="en-US" smtClean="0"/>
               <a:pPr/>
-              <a:t>6/8/2020</a:t>
+              <a:t>6/15/2020</a:t>
             </a:fld>
             <a:endParaRPr lang="en-US"/>
           </a:p>
@@ -2213,7 +2213,7 @@
             <a:fld id="{EEE556E8-492E-4E8F-8E7F-7A7787724D01}" type="datetimeFigureOut">
               <a:rPr lang="en-US" smtClean="0"/>
               <a:pPr/>
-              <a:t>6/8/2020</a:t>
+              <a:t>6/15/2020</a:t>
             </a:fld>
             <a:endParaRPr lang="en-US"/>
           </a:p>
@@ -2533,7 +2533,7 @@
             <a:fld id="{EEE556E8-492E-4E8F-8E7F-7A7787724D01}" type="datetimeFigureOut">
               <a:rPr lang="en-US" smtClean="0"/>
               <a:pPr/>
-              <a:t>6/8/2020</a:t>
+              <a:t>6/15/2020</a:t>
             </a:fld>
             <a:endParaRPr lang="en-US"/>
           </a:p>
@@ -2993,7 +2993,7 @@
             <a:fld id="{EEE556E8-492E-4E8F-8E7F-7A7787724D01}" type="datetimeFigureOut">
               <a:rPr lang="en-US" smtClean="0"/>
               <a:pPr/>
-              <a:t>6/8/2020</a:t>
+              <a:t>6/15/2020</a:t>
             </a:fld>
             <a:endParaRPr lang="en-US"/>
           </a:p>
@@ -3139,7 +3139,7 @@
             <a:fld id="{EEE556E8-492E-4E8F-8E7F-7A7787724D01}" type="datetimeFigureOut">
               <a:rPr lang="en-US" smtClean="0"/>
               <a:pPr/>
-              <a:t>6/8/2020</a:t>
+              <a:t>6/15/2020</a:t>
             </a:fld>
             <a:endParaRPr lang="en-US"/>
           </a:p>
@@ -3469,7 +3469,7 @@
             <a:fld id="{EEE556E8-492E-4E8F-8E7F-7A7787724D01}" type="datetimeFigureOut">
               <a:rPr lang="en-US" smtClean="0"/>
               <a:pPr/>
-              <a:t>6/8/2020</a:t>
+              <a:t>6/15/2020</a:t>
             </a:fld>
             <a:endParaRPr lang="en-US"/>
           </a:p>
@@ -3751,7 +3751,7 @@
             <a:fld id="{EEE556E8-492E-4E8F-8E7F-7A7787724D01}" type="datetimeFigureOut">
               <a:rPr lang="en-US" smtClean="0"/>
               <a:pPr/>
-              <a:t>6/8/2020</a:t>
+              <a:t>6/15/2020</a:t>
             </a:fld>
             <a:endParaRPr lang="en-US"/>
           </a:p>
@@ -4180,7 +4180,7 @@
           <p:cNvPr id="3" name="Picture 2">
             <a:extLst>
               <a:ext uri="{FF2B5EF4-FFF2-40B4-BE49-F238E27FC236}">
-                <a16:creationId xmlns:a16="http://schemas.microsoft.com/office/drawing/2014/main" xmlns="" id="{41A85463-8A73-4AAF-B006-A8206B2E4A66}"/>
+                <a16:creationId xmlns="" xmlns:a16="http://schemas.microsoft.com/office/drawing/2014/main" id="{41A85463-8A73-4AAF-B006-A8206B2E4A66}"/>
               </a:ext>
             </a:extLst>
           </p:cNvPr>
@@ -4193,7 +4193,7 @@
           <a:blip r:embed="rId2" cstate="print">
             <a:extLst>
               <a:ext uri="{28A0092B-C50C-407E-A947-70E740481C1C}">
-                <a14:useLocalDpi xmlns:a14="http://schemas.microsoft.com/office/drawing/2010/main" xmlns="" val="0"/>
+                <a14:useLocalDpi xmlns="" xmlns:a14="http://schemas.microsoft.com/office/drawing/2010/main" val="0"/>
               </a:ext>
             </a:extLst>
           </a:blip>
@@ -4216,7 +4216,7 @@
           <p:cNvPr id="4" name="Footer Placeholder 2">
             <a:extLst>
               <a:ext uri="{FF2B5EF4-FFF2-40B4-BE49-F238E27FC236}">
-                <a16:creationId xmlns:a16="http://schemas.microsoft.com/office/drawing/2014/main" xmlns="" id="{4610B96E-6F6B-4597-8ADF-B68C8A17E820}"/>
+                <a16:creationId xmlns="" xmlns:a16="http://schemas.microsoft.com/office/drawing/2014/main" id="{4610B96E-6F6B-4597-8ADF-B68C8A17E820}"/>
               </a:ext>
             </a:extLst>
           </p:cNvPr>
@@ -4571,42 +4571,10 @@
           </a:p>
         </p:txBody>
       </p:sp>
-      <p:sp>
-        <p:nvSpPr>
-          <p:cNvPr id="7" name="Rectangle 6"/>
-          <p:cNvSpPr/>
-          <p:nvPr/>
-        </p:nvSpPr>
-        <p:spPr>
-          <a:xfrm>
-            <a:off x="11639822" y="0"/>
-            <a:ext cx="553357" cy="369332"/>
-          </a:xfrm>
-          <a:prstGeom prst="rect">
-            <a:avLst/>
-          </a:prstGeom>
-        </p:spPr>
-        <p:txBody>
-          <a:bodyPr wrap="none">
-            <a:spAutoFit/>
-          </a:bodyPr>
-          <a:lstStyle/>
-          <a:p>
-            <a:r>
-              <a:rPr lang="en-IN" dirty="0" smtClean="0">
-                <a:latin typeface="Segoe UI Light" panose="020B0502040204020203" pitchFamily="34" charset="0"/>
-                <a:cs typeface="Segoe UI Light" panose="020B0502040204020203" pitchFamily="34" charset="0"/>
-              </a:rPr>
-              <a:t>(29)</a:t>
-            </a:r>
-            <a:endParaRPr lang="en-US" dirty="0"/>
-          </a:p>
-        </p:txBody>
-      </p:sp>
     </p:spTree>
     <p:extLst>
       <p:ext uri="{BB962C8B-B14F-4D97-AF65-F5344CB8AC3E}">
-        <p14:creationId xmlns:p14="http://schemas.microsoft.com/office/powerpoint/2010/main" xmlns="" val="4253925860"/>
+        <p14:creationId xmlns="" xmlns:p14="http://schemas.microsoft.com/office/powerpoint/2010/main" val="4253925860"/>
       </p:ext>
     </p:extLst>
   </p:cSld>
@@ -4846,7 +4814,7 @@
           <p:cNvPr id="10" name="Picture 9">
             <a:extLst>
               <a:ext uri="{FF2B5EF4-FFF2-40B4-BE49-F238E27FC236}">
-                <a16:creationId xmlns="" xmlns:a16="http://schemas.microsoft.com/office/drawing/2014/main" id="{048BD748-B206-47BA-A66B-CE75AF072764}"/>
+                <a16:creationId xmlns:a16="http://schemas.microsoft.com/office/drawing/2014/main" xmlns="" id="{048BD748-B206-47BA-A66B-CE75AF072764}"/>
               </a:ext>
             </a:extLst>
           </p:cNvPr>
@@ -4859,7 +4827,7 @@
           <a:blip r:embed="rId2" cstate="print">
             <a:extLst>
               <a:ext uri="{28A0092B-C50C-407E-A947-70E740481C1C}">
-                <a14:useLocalDpi xmlns="" xmlns:a14="http://schemas.microsoft.com/office/drawing/2010/main" val="0"/>
+                <a14:useLocalDpi xmlns:a14="http://schemas.microsoft.com/office/drawing/2010/main" xmlns="" val="0"/>
               </a:ext>
             </a:extLst>
           </a:blip>
@@ -4882,7 +4850,7 @@
           <p:cNvPr id="12" name="Footer Placeholder 2">
             <a:extLst>
               <a:ext uri="{FF2B5EF4-FFF2-40B4-BE49-F238E27FC236}">
-                <a16:creationId xmlns="" xmlns:a16="http://schemas.microsoft.com/office/drawing/2014/main" id="{5FB08BE4-C3B1-4781-BC6A-C3A3C630CD94}"/>
+                <a16:creationId xmlns:a16="http://schemas.microsoft.com/office/drawing/2014/main" xmlns="" id="{5FB08BE4-C3B1-4781-BC6A-C3A3C630CD94}"/>
               </a:ext>
             </a:extLst>
           </p:cNvPr>
@@ -5273,42 +5241,10 @@
           </a:p>
         </p:txBody>
       </p:sp>
-      <p:sp>
-        <p:nvSpPr>
-          <p:cNvPr id="13" name="Rectangle 12"/>
-          <p:cNvSpPr/>
-          <p:nvPr/>
-        </p:nvSpPr>
-        <p:spPr>
-          <a:xfrm>
-            <a:off x="11639822" y="0"/>
-            <a:ext cx="553357" cy="369332"/>
-          </a:xfrm>
-          <a:prstGeom prst="rect">
-            <a:avLst/>
-          </a:prstGeom>
-        </p:spPr>
-        <p:txBody>
-          <a:bodyPr wrap="none">
-            <a:spAutoFit/>
-          </a:bodyPr>
-          <a:lstStyle/>
-          <a:p>
-            <a:r>
-              <a:rPr lang="en-IN" dirty="0" smtClean="0">
-                <a:latin typeface="Segoe UI Light" panose="020B0502040204020203" pitchFamily="34" charset="0"/>
-                <a:cs typeface="Segoe UI Light" panose="020B0502040204020203" pitchFamily="34" charset="0"/>
-              </a:rPr>
-              <a:t>(29)</a:t>
-            </a:r>
-            <a:endParaRPr lang="en-US" dirty="0"/>
-          </a:p>
-        </p:txBody>
-      </p:sp>
     </p:spTree>
     <p:extLst>
       <p:ext uri="{BB962C8B-B14F-4D97-AF65-F5344CB8AC3E}">
-        <p14:creationId xmlns="" xmlns:p14="http://schemas.microsoft.com/office/powerpoint/2010/main" val="260190726"/>
+        <p14:creationId xmlns:p14="http://schemas.microsoft.com/office/powerpoint/2010/main" xmlns="" val="260190726"/>
       </p:ext>
     </p:extLst>
   </p:cSld>
@@ -5347,7 +5283,7 @@
           <p:cNvPr id="10" name="Picture 9">
             <a:extLst>
               <a:ext uri="{FF2B5EF4-FFF2-40B4-BE49-F238E27FC236}">
-                <a16:creationId xmlns="" xmlns:a16="http://schemas.microsoft.com/office/drawing/2014/main" id="{048BD748-B206-47BA-A66B-CE75AF072764}"/>
+                <a16:creationId xmlns:a16="http://schemas.microsoft.com/office/drawing/2014/main" xmlns="" id="{048BD748-B206-47BA-A66B-CE75AF072764}"/>
               </a:ext>
             </a:extLst>
           </p:cNvPr>
@@ -5360,7 +5296,7 @@
           <a:blip r:embed="rId2" cstate="print">
             <a:extLst>
               <a:ext uri="{28A0092B-C50C-407E-A947-70E740481C1C}">
-                <a14:useLocalDpi xmlns="" xmlns:a14="http://schemas.microsoft.com/office/drawing/2010/main" val="0"/>
+                <a14:useLocalDpi xmlns:a14="http://schemas.microsoft.com/office/drawing/2010/main" xmlns="" val="0"/>
               </a:ext>
             </a:extLst>
           </a:blip>
@@ -5383,7 +5319,7 @@
           <p:cNvPr id="12" name="Footer Placeholder 2">
             <a:extLst>
               <a:ext uri="{FF2B5EF4-FFF2-40B4-BE49-F238E27FC236}">
-                <a16:creationId xmlns="" xmlns:a16="http://schemas.microsoft.com/office/drawing/2014/main" id="{5FB08BE4-C3B1-4781-BC6A-C3A3C630CD94}"/>
+                <a16:creationId xmlns:a16="http://schemas.microsoft.com/office/drawing/2014/main" xmlns="" id="{5FB08BE4-C3B1-4781-BC6A-C3A3C630CD94}"/>
               </a:ext>
             </a:extLst>
           </p:cNvPr>
@@ -5770,42 +5706,10 @@
           </a:p>
         </p:txBody>
       </p:sp>
-      <p:sp>
-        <p:nvSpPr>
-          <p:cNvPr id="36" name="Rectangle 35"/>
-          <p:cNvSpPr/>
-          <p:nvPr/>
-        </p:nvSpPr>
-        <p:spPr>
-          <a:xfrm>
-            <a:off x="11639822" y="0"/>
-            <a:ext cx="553357" cy="369332"/>
-          </a:xfrm>
-          <a:prstGeom prst="rect">
-            <a:avLst/>
-          </a:prstGeom>
-        </p:spPr>
-        <p:txBody>
-          <a:bodyPr wrap="none">
-            <a:spAutoFit/>
-          </a:bodyPr>
-          <a:lstStyle/>
-          <a:p>
-            <a:r>
-              <a:rPr lang="en-IN" dirty="0" smtClean="0">
-                <a:latin typeface="Segoe UI Light" panose="020B0502040204020203" pitchFamily="34" charset="0"/>
-                <a:cs typeface="Segoe UI Light" panose="020B0502040204020203" pitchFamily="34" charset="0"/>
-              </a:rPr>
-              <a:t>(29)</a:t>
-            </a:r>
-            <a:endParaRPr lang="en-US" dirty="0"/>
-          </a:p>
-        </p:txBody>
-      </p:sp>
     </p:spTree>
     <p:extLst>
       <p:ext uri="{BB962C8B-B14F-4D97-AF65-F5344CB8AC3E}">
-        <p14:creationId xmlns="" xmlns:p14="http://schemas.microsoft.com/office/powerpoint/2010/main" val="260190726"/>
+        <p14:creationId xmlns:p14="http://schemas.microsoft.com/office/powerpoint/2010/main" xmlns="" val="260190726"/>
       </p:ext>
     </p:extLst>
   </p:cSld>
@@ -5903,7 +5807,7 @@
           <p:cNvPr id="10" name="Picture 9">
             <a:extLst>
               <a:ext uri="{FF2B5EF4-FFF2-40B4-BE49-F238E27FC236}">
-                <a16:creationId xmlns="" xmlns:a16="http://schemas.microsoft.com/office/drawing/2014/main" id="{048BD748-B206-47BA-A66B-CE75AF072764}"/>
+                <a16:creationId xmlns:a16="http://schemas.microsoft.com/office/drawing/2014/main" xmlns="" id="{048BD748-B206-47BA-A66B-CE75AF072764}"/>
               </a:ext>
             </a:extLst>
           </p:cNvPr>
@@ -5916,7 +5820,7 @@
           <a:blip r:embed="rId2" cstate="print">
             <a:extLst>
               <a:ext uri="{28A0092B-C50C-407E-A947-70E740481C1C}">
-                <a14:useLocalDpi xmlns="" xmlns:a14="http://schemas.microsoft.com/office/drawing/2010/main" val="0"/>
+                <a14:useLocalDpi xmlns:a14="http://schemas.microsoft.com/office/drawing/2010/main" xmlns="" val="0"/>
               </a:ext>
             </a:extLst>
           </a:blip>
@@ -5939,7 +5843,7 @@
           <p:cNvPr id="12" name="Footer Placeholder 2">
             <a:extLst>
               <a:ext uri="{FF2B5EF4-FFF2-40B4-BE49-F238E27FC236}">
-                <a16:creationId xmlns="" xmlns:a16="http://schemas.microsoft.com/office/drawing/2014/main" id="{5FB08BE4-C3B1-4781-BC6A-C3A3C630CD94}"/>
+                <a16:creationId xmlns:a16="http://schemas.microsoft.com/office/drawing/2014/main" xmlns="" id="{5FB08BE4-C3B1-4781-BC6A-C3A3C630CD94}"/>
               </a:ext>
             </a:extLst>
           </p:cNvPr>
@@ -6238,42 +6142,10 @@
           </a:p>
         </p:txBody>
       </p:sp>
-      <p:sp>
-        <p:nvSpPr>
-          <p:cNvPr id="15" name="Rectangle 14"/>
-          <p:cNvSpPr/>
-          <p:nvPr/>
-        </p:nvSpPr>
-        <p:spPr>
-          <a:xfrm>
-            <a:off x="11639822" y="0"/>
-            <a:ext cx="553357" cy="369332"/>
-          </a:xfrm>
-          <a:prstGeom prst="rect">
-            <a:avLst/>
-          </a:prstGeom>
-        </p:spPr>
-        <p:txBody>
-          <a:bodyPr wrap="none">
-            <a:spAutoFit/>
-          </a:bodyPr>
-          <a:lstStyle/>
-          <a:p>
-            <a:r>
-              <a:rPr lang="en-IN" dirty="0" smtClean="0">
-                <a:latin typeface="Segoe UI Light" panose="020B0502040204020203" pitchFamily="34" charset="0"/>
-                <a:cs typeface="Segoe UI Light" panose="020B0502040204020203" pitchFamily="34" charset="0"/>
-              </a:rPr>
-              <a:t>(29)</a:t>
-            </a:r>
-            <a:endParaRPr lang="en-US" dirty="0"/>
-          </a:p>
-        </p:txBody>
-      </p:sp>
     </p:spTree>
     <p:extLst>
       <p:ext uri="{BB962C8B-B14F-4D97-AF65-F5344CB8AC3E}">
-        <p14:creationId xmlns="" xmlns:p14="http://schemas.microsoft.com/office/powerpoint/2010/main" val="260190726"/>
+        <p14:creationId xmlns:p14="http://schemas.microsoft.com/office/powerpoint/2010/main" xmlns="" val="260190726"/>
       </p:ext>
     </p:extLst>
   </p:cSld>
@@ -6371,7 +6243,7 @@
           <p:cNvPr id="10" name="Picture 9">
             <a:extLst>
               <a:ext uri="{FF2B5EF4-FFF2-40B4-BE49-F238E27FC236}">
-                <a16:creationId xmlns="" xmlns:a16="http://schemas.microsoft.com/office/drawing/2014/main" id="{048BD748-B206-47BA-A66B-CE75AF072764}"/>
+                <a16:creationId xmlns:a16="http://schemas.microsoft.com/office/drawing/2014/main" xmlns="" id="{048BD748-B206-47BA-A66B-CE75AF072764}"/>
               </a:ext>
             </a:extLst>
           </p:cNvPr>
@@ -6384,7 +6256,7 @@
           <a:blip r:embed="rId2" cstate="print">
             <a:extLst>
               <a:ext uri="{28A0092B-C50C-407E-A947-70E740481C1C}">
-                <a14:useLocalDpi xmlns="" xmlns:a14="http://schemas.microsoft.com/office/drawing/2010/main" val="0"/>
+                <a14:useLocalDpi xmlns:a14="http://schemas.microsoft.com/office/drawing/2010/main" xmlns="" val="0"/>
               </a:ext>
             </a:extLst>
           </a:blip>
@@ -6407,7 +6279,7 @@
           <p:cNvPr id="12" name="Footer Placeholder 2">
             <a:extLst>
               <a:ext uri="{FF2B5EF4-FFF2-40B4-BE49-F238E27FC236}">
-                <a16:creationId xmlns="" xmlns:a16="http://schemas.microsoft.com/office/drawing/2014/main" id="{5FB08BE4-C3B1-4781-BC6A-C3A3C630CD94}"/>
+                <a16:creationId xmlns:a16="http://schemas.microsoft.com/office/drawing/2014/main" xmlns="" id="{5FB08BE4-C3B1-4781-BC6A-C3A3C630CD94}"/>
               </a:ext>
             </a:extLst>
           </p:cNvPr>
@@ -6582,72 +6454,32 @@
       </p:sp>
       <p:pic>
         <p:nvPicPr>
-          <p:cNvPr id="1026" name="Picture 2"/>
+          <p:cNvPr id="9" name="Picture 8"/>
           <p:cNvPicPr>
-            <a:picLocks noChangeAspect="1" noChangeArrowheads="1"/>
+            <a:picLocks noChangeAspect="1"/>
           </p:cNvPicPr>
           <p:nvPr/>
         </p:nvPicPr>
         <p:blipFill>
-          <a:blip r:embed="rId3" cstate="print"/>
-          <a:srcRect/>
+          <a:blip r:embed="rId3"/>
           <a:stretch>
             <a:fillRect/>
           </a:stretch>
         </p:blipFill>
-        <p:spPr bwMode="auto">
-          <a:xfrm>
-            <a:off x="1270670" y="1844824"/>
-            <a:ext cx="9577064" cy="3590166"/>
-          </a:xfrm>
-          <a:prstGeom prst="rect">
-            <a:avLst/>
-          </a:prstGeom>
-          <a:noFill/>
-          <a:ln w="9525">
-            <a:noFill/>
-            <a:miter lim="800000"/>
-            <a:headEnd/>
-            <a:tailEnd/>
-          </a:ln>
+        <p:spPr>
+          <a:xfrm>
+            <a:off x="1188293" y="1982445"/>
+            <a:ext cx="9505056" cy="3398456"/>
+          </a:xfrm>
+          <a:prstGeom prst="rect">
+            <a:avLst/>
+          </a:prstGeom>
         </p:spPr>
       </p:pic>
-      <p:sp>
-        <p:nvSpPr>
-          <p:cNvPr id="8" name="Rectangle 7"/>
-          <p:cNvSpPr/>
-          <p:nvPr/>
-        </p:nvSpPr>
-        <p:spPr>
-          <a:xfrm>
-            <a:off x="11639822" y="0"/>
-            <a:ext cx="553357" cy="369332"/>
-          </a:xfrm>
-          <a:prstGeom prst="rect">
-            <a:avLst/>
-          </a:prstGeom>
-        </p:spPr>
-        <p:txBody>
-          <a:bodyPr wrap="none">
-            <a:spAutoFit/>
-          </a:bodyPr>
-          <a:lstStyle/>
-          <a:p>
-            <a:r>
-              <a:rPr lang="en-IN" dirty="0" smtClean="0">
-                <a:latin typeface="Segoe UI Light" panose="020B0502040204020203" pitchFamily="34" charset="0"/>
-                <a:cs typeface="Segoe UI Light" panose="020B0502040204020203" pitchFamily="34" charset="0"/>
-              </a:rPr>
-              <a:t>(29)</a:t>
-            </a:r>
-            <a:endParaRPr lang="en-US" dirty="0"/>
-          </a:p>
-        </p:txBody>
-      </p:sp>
     </p:spTree>
     <p:extLst>
       <p:ext uri="{BB962C8B-B14F-4D97-AF65-F5344CB8AC3E}">
-        <p14:creationId xmlns="" xmlns:p14="http://schemas.microsoft.com/office/powerpoint/2010/main" val="260190726"/>
+        <p14:creationId xmlns:p14="http://schemas.microsoft.com/office/powerpoint/2010/main" xmlns="" val="260190726"/>
       </p:ext>
     </p:extLst>
   </p:cSld>
@@ -6793,7 +6625,7 @@
           <p:cNvPr id="7" name="Picture 6">
             <a:extLst>
               <a:ext uri="{FF2B5EF4-FFF2-40B4-BE49-F238E27FC236}">
-                <a16:creationId xmlns:a16="http://schemas.microsoft.com/office/drawing/2014/main" xmlns="" id="{D549EEF8-0DDC-4ADB-8B68-691DD0B6B1E9}"/>
+                <a16:creationId xmlns="" xmlns:a16="http://schemas.microsoft.com/office/drawing/2014/main" id="{D549EEF8-0DDC-4ADB-8B68-691DD0B6B1E9}"/>
               </a:ext>
             </a:extLst>
           </p:cNvPr>
@@ -6806,7 +6638,7 @@
           <a:blip r:embed="rId2" cstate="print">
             <a:extLst>
               <a:ext uri="{28A0092B-C50C-407E-A947-70E740481C1C}">
-                <a14:useLocalDpi xmlns:a14="http://schemas.microsoft.com/office/drawing/2010/main" xmlns="" val="0"/>
+                <a14:useLocalDpi xmlns="" xmlns:a14="http://schemas.microsoft.com/office/drawing/2010/main" val="0"/>
               </a:ext>
             </a:extLst>
           </a:blip>
@@ -6829,7 +6661,7 @@
           <p:cNvPr id="9" name="Footer Placeholder 2">
             <a:extLst>
               <a:ext uri="{FF2B5EF4-FFF2-40B4-BE49-F238E27FC236}">
-                <a16:creationId xmlns:a16="http://schemas.microsoft.com/office/drawing/2014/main" xmlns="" id="{FE7D71F0-97C1-4A7C-A634-BE2CA956F0C6}"/>
+                <a16:creationId xmlns="" xmlns:a16="http://schemas.microsoft.com/office/drawing/2014/main" id="{FE7D71F0-97C1-4A7C-A634-BE2CA956F0C6}"/>
               </a:ext>
             </a:extLst>
           </p:cNvPr>
@@ -7467,42 +7299,10 @@
           </a:graphicData>
         </a:graphic>
       </p:graphicFrame>
-      <p:sp>
-        <p:nvSpPr>
-          <p:cNvPr id="6" name="Rectangle 5"/>
-          <p:cNvSpPr/>
-          <p:nvPr/>
-        </p:nvSpPr>
-        <p:spPr>
-          <a:xfrm>
-            <a:off x="11639822" y="0"/>
-            <a:ext cx="553357" cy="369332"/>
-          </a:xfrm>
-          <a:prstGeom prst="rect">
-            <a:avLst/>
-          </a:prstGeom>
-        </p:spPr>
-        <p:txBody>
-          <a:bodyPr wrap="none">
-            <a:spAutoFit/>
-          </a:bodyPr>
-          <a:lstStyle/>
-          <a:p>
-            <a:r>
-              <a:rPr lang="en-IN" dirty="0" smtClean="0">
-                <a:latin typeface="Segoe UI Light" panose="020B0502040204020203" pitchFamily="34" charset="0"/>
-                <a:cs typeface="Segoe UI Light" panose="020B0502040204020203" pitchFamily="34" charset="0"/>
-              </a:rPr>
-              <a:t>(29)</a:t>
-            </a:r>
-            <a:endParaRPr lang="en-US" dirty="0"/>
-          </a:p>
-        </p:txBody>
-      </p:sp>
     </p:spTree>
     <p:extLst>
       <p:ext uri="{BB962C8B-B14F-4D97-AF65-F5344CB8AC3E}">
-        <p14:creationId xmlns:p14="http://schemas.microsoft.com/office/powerpoint/2010/main" xmlns="" val="3160401395"/>
+        <p14:creationId xmlns="" xmlns:p14="http://schemas.microsoft.com/office/powerpoint/2010/main" val="3160401395"/>
       </p:ext>
     </p:extLst>
   </p:cSld>

--- a/Video Ver1/Video PPT/30. Natural Join.pptx
+++ b/Video Ver1/Video PPT/30. Natural Join.pptx
@@ -114,7 +114,7 @@
   </p:defaultTextStyle>
   <p:extLst>
     <p:ext uri="{521415D9-36F7-43E2-AB2F-B90AF26B5E84}">
-      <p14:sectionLst xmlns:p14="http://schemas.microsoft.com/office/powerpoint/2010/main" xmlns="">
+      <p14:sectionLst xmlns="" xmlns:p14="http://schemas.microsoft.com/office/powerpoint/2010/main">
         <p14:section name="Introduction" id="{A3D14946-8297-4856-B082-4FEFA482017C}">
           <p14:sldIdLst>
             <p14:sldId id="282"/>
@@ -755,7 +755,7 @@
       </p14:sectionLst>
     </p:ext>
     <p:ext uri="{EFAFB233-063F-42B5-8137-9DF3F51BA10A}">
-      <p15:sldGuideLst xmlns:p15="http://schemas.microsoft.com/office/powerpoint/2012/main" xmlns="">
+      <p15:sldGuideLst xmlns="" xmlns:p15="http://schemas.microsoft.com/office/powerpoint/2012/main">
         <p15:guide id="1" orient="horz" pos="2160">
           <p15:clr>
             <a:srgbClr val="A4A3A4"/>
@@ -777,7 +777,7 @@
   <p:cmAuthor id="1" name="Saleel" initials="S" lastIdx="1" clrIdx="0">
     <p:extLst>
       <p:ext uri="{19B8F6BF-5375-455C-9EA6-DF929625EA0E}">
-        <p15:presenceInfo xmlns:p15="http://schemas.microsoft.com/office/powerpoint/2012/main" xmlns="" userId="Saleel" providerId="None"/>
+        <p15:presenceInfo xmlns="" xmlns:p15="http://schemas.microsoft.com/office/powerpoint/2012/main" userId="Saleel" providerId="None"/>
       </p:ext>
     </p:extLst>
   </p:cmAuthor>
@@ -867,7 +867,7 @@
             <a:fld id="{4DF51050-3720-483B-B552-57DC1341D582}" type="datetimeFigureOut">
               <a:rPr lang="en-US" smtClean="0"/>
               <a:pPr/>
-              <a:t>6/15/2020</a:t>
+              <a:t>6/22/2020</a:t>
             </a:fld>
             <a:endParaRPr lang="en-US"/>
           </a:p>
@@ -1326,7 +1326,7 @@
             <a:fld id="{EEE556E8-492E-4E8F-8E7F-7A7787724D01}" type="datetimeFigureOut">
               <a:rPr lang="en-US" smtClean="0"/>
               <a:pPr/>
-              <a:t>6/15/2020</a:t>
+              <a:t>6/22/2020</a:t>
             </a:fld>
             <a:endParaRPr lang="en-US"/>
           </a:p>
@@ -1531,7 +1531,7 @@
             <a:fld id="{EEE556E8-492E-4E8F-8E7F-7A7787724D01}" type="datetimeFigureOut">
               <a:rPr lang="en-US" smtClean="0"/>
               <a:pPr/>
-              <a:t>6/15/2020</a:t>
+              <a:t>6/22/2020</a:t>
             </a:fld>
             <a:endParaRPr lang="en-US"/>
           </a:p>
@@ -1736,7 +1736,7 @@
             <a:fld id="{EEE556E8-492E-4E8F-8E7F-7A7787724D01}" type="datetimeFigureOut">
               <a:rPr lang="en-US" smtClean="0"/>
               <a:pPr/>
-              <a:t>6/15/2020</a:t>
+              <a:t>6/22/2020</a:t>
             </a:fld>
             <a:endParaRPr lang="en-US"/>
           </a:p>
@@ -1941,7 +1941,7 @@
             <a:fld id="{EEE556E8-492E-4E8F-8E7F-7A7787724D01}" type="datetimeFigureOut">
               <a:rPr lang="en-US" smtClean="0"/>
               <a:pPr/>
-              <a:t>6/15/2020</a:t>
+              <a:t>6/22/2020</a:t>
             </a:fld>
             <a:endParaRPr lang="en-US"/>
           </a:p>
@@ -2213,7 +2213,7 @@
             <a:fld id="{EEE556E8-492E-4E8F-8E7F-7A7787724D01}" type="datetimeFigureOut">
               <a:rPr lang="en-US" smtClean="0"/>
               <a:pPr/>
-              <a:t>6/15/2020</a:t>
+              <a:t>6/22/2020</a:t>
             </a:fld>
             <a:endParaRPr lang="en-US"/>
           </a:p>
@@ -2533,7 +2533,7 @@
             <a:fld id="{EEE556E8-492E-4E8F-8E7F-7A7787724D01}" type="datetimeFigureOut">
               <a:rPr lang="en-US" smtClean="0"/>
               <a:pPr/>
-              <a:t>6/15/2020</a:t>
+              <a:t>6/22/2020</a:t>
             </a:fld>
             <a:endParaRPr lang="en-US"/>
           </a:p>
@@ -2993,7 +2993,7 @@
             <a:fld id="{EEE556E8-492E-4E8F-8E7F-7A7787724D01}" type="datetimeFigureOut">
               <a:rPr lang="en-US" smtClean="0"/>
               <a:pPr/>
-              <a:t>6/15/2020</a:t>
+              <a:t>6/22/2020</a:t>
             </a:fld>
             <a:endParaRPr lang="en-US"/>
           </a:p>
@@ -3139,7 +3139,7 @@
             <a:fld id="{EEE556E8-492E-4E8F-8E7F-7A7787724D01}" type="datetimeFigureOut">
               <a:rPr lang="en-US" smtClean="0"/>
               <a:pPr/>
-              <a:t>6/15/2020</a:t>
+              <a:t>6/22/2020</a:t>
             </a:fld>
             <a:endParaRPr lang="en-US"/>
           </a:p>
@@ -3469,7 +3469,7 @@
             <a:fld id="{EEE556E8-492E-4E8F-8E7F-7A7787724D01}" type="datetimeFigureOut">
               <a:rPr lang="en-US" smtClean="0"/>
               <a:pPr/>
-              <a:t>6/15/2020</a:t>
+              <a:t>6/22/2020</a:t>
             </a:fld>
             <a:endParaRPr lang="en-US"/>
           </a:p>
@@ -3751,7 +3751,7 @@
             <a:fld id="{EEE556E8-492E-4E8F-8E7F-7A7787724D01}" type="datetimeFigureOut">
               <a:rPr lang="en-US" smtClean="0"/>
               <a:pPr/>
-              <a:t>6/15/2020</a:t>
+              <a:t>6/22/2020</a:t>
             </a:fld>
             <a:endParaRPr lang="en-US"/>
           </a:p>
@@ -4180,7 +4180,7 @@
           <p:cNvPr id="3" name="Picture 2">
             <a:extLst>
               <a:ext uri="{FF2B5EF4-FFF2-40B4-BE49-F238E27FC236}">
-                <a16:creationId xmlns="" xmlns:a16="http://schemas.microsoft.com/office/drawing/2014/main" id="{41A85463-8A73-4AAF-B006-A8206B2E4A66}"/>
+                <a16:creationId xmlns:a16="http://schemas.microsoft.com/office/drawing/2014/main" xmlns="" id="{41A85463-8A73-4AAF-B006-A8206B2E4A66}"/>
               </a:ext>
             </a:extLst>
           </p:cNvPr>
@@ -4193,7 +4193,7 @@
           <a:blip r:embed="rId2" cstate="print">
             <a:extLst>
               <a:ext uri="{28A0092B-C50C-407E-A947-70E740481C1C}">
-                <a14:useLocalDpi xmlns="" xmlns:a14="http://schemas.microsoft.com/office/drawing/2010/main" val="0"/>
+                <a14:useLocalDpi xmlns:a14="http://schemas.microsoft.com/office/drawing/2010/main" xmlns="" val="0"/>
               </a:ext>
             </a:extLst>
           </a:blip>
@@ -4216,7 +4216,7 @@
           <p:cNvPr id="4" name="Footer Placeholder 2">
             <a:extLst>
               <a:ext uri="{FF2B5EF4-FFF2-40B4-BE49-F238E27FC236}">
-                <a16:creationId xmlns="" xmlns:a16="http://schemas.microsoft.com/office/drawing/2014/main" id="{4610B96E-6F6B-4597-8ADF-B68C8A17E820}"/>
+                <a16:creationId xmlns:a16="http://schemas.microsoft.com/office/drawing/2014/main" xmlns="" id="{4610B96E-6F6B-4597-8ADF-B68C8A17E820}"/>
               </a:ext>
             </a:extLst>
           </p:cNvPr>
@@ -4574,7 +4574,7 @@
     </p:spTree>
     <p:extLst>
       <p:ext uri="{BB962C8B-B14F-4D97-AF65-F5344CB8AC3E}">
-        <p14:creationId xmlns="" xmlns:p14="http://schemas.microsoft.com/office/powerpoint/2010/main" val="4253925860"/>
+        <p14:creationId xmlns:p14="http://schemas.microsoft.com/office/powerpoint/2010/main" xmlns="" val="4253925860"/>
       </p:ext>
     </p:extLst>
   </p:cSld>
@@ -4814,7 +4814,7 @@
           <p:cNvPr id="10" name="Picture 9">
             <a:extLst>
               <a:ext uri="{FF2B5EF4-FFF2-40B4-BE49-F238E27FC236}">
-                <a16:creationId xmlns:a16="http://schemas.microsoft.com/office/drawing/2014/main" xmlns="" id="{048BD748-B206-47BA-A66B-CE75AF072764}"/>
+                <a16:creationId xmlns="" xmlns:a16="http://schemas.microsoft.com/office/drawing/2014/main" id="{048BD748-B206-47BA-A66B-CE75AF072764}"/>
               </a:ext>
             </a:extLst>
           </p:cNvPr>
@@ -4827,7 +4827,7 @@
           <a:blip r:embed="rId2" cstate="print">
             <a:extLst>
               <a:ext uri="{28A0092B-C50C-407E-A947-70E740481C1C}">
-                <a14:useLocalDpi xmlns:a14="http://schemas.microsoft.com/office/drawing/2010/main" xmlns="" val="0"/>
+                <a14:useLocalDpi xmlns="" xmlns:a14="http://schemas.microsoft.com/office/drawing/2010/main" val="0"/>
               </a:ext>
             </a:extLst>
           </a:blip>
@@ -4850,7 +4850,7 @@
           <p:cNvPr id="12" name="Footer Placeholder 2">
             <a:extLst>
               <a:ext uri="{FF2B5EF4-FFF2-40B4-BE49-F238E27FC236}">
-                <a16:creationId xmlns:a16="http://schemas.microsoft.com/office/drawing/2014/main" xmlns="" id="{5FB08BE4-C3B1-4781-BC6A-C3A3C630CD94}"/>
+                <a16:creationId xmlns="" xmlns:a16="http://schemas.microsoft.com/office/drawing/2014/main" id="{5FB08BE4-C3B1-4781-BC6A-C3A3C630CD94}"/>
               </a:ext>
             </a:extLst>
           </p:cNvPr>
@@ -5244,7 +5244,7 @@
     </p:spTree>
     <p:extLst>
       <p:ext uri="{BB962C8B-B14F-4D97-AF65-F5344CB8AC3E}">
-        <p14:creationId xmlns:p14="http://schemas.microsoft.com/office/powerpoint/2010/main" xmlns="" val="260190726"/>
+        <p14:creationId xmlns="" xmlns:p14="http://schemas.microsoft.com/office/powerpoint/2010/main" val="260190726"/>
       </p:ext>
     </p:extLst>
   </p:cSld>
@@ -5283,7 +5283,7 @@
           <p:cNvPr id="10" name="Picture 9">
             <a:extLst>
               <a:ext uri="{FF2B5EF4-FFF2-40B4-BE49-F238E27FC236}">
-                <a16:creationId xmlns:a16="http://schemas.microsoft.com/office/drawing/2014/main" xmlns="" id="{048BD748-B206-47BA-A66B-CE75AF072764}"/>
+                <a16:creationId xmlns="" xmlns:a16="http://schemas.microsoft.com/office/drawing/2014/main" id="{048BD748-B206-47BA-A66B-CE75AF072764}"/>
               </a:ext>
             </a:extLst>
           </p:cNvPr>
@@ -5296,7 +5296,7 @@
           <a:blip r:embed="rId2" cstate="print">
             <a:extLst>
               <a:ext uri="{28A0092B-C50C-407E-A947-70E740481C1C}">
-                <a14:useLocalDpi xmlns:a14="http://schemas.microsoft.com/office/drawing/2010/main" xmlns="" val="0"/>
+                <a14:useLocalDpi xmlns="" xmlns:a14="http://schemas.microsoft.com/office/drawing/2010/main" val="0"/>
               </a:ext>
             </a:extLst>
           </a:blip>
@@ -5319,7 +5319,7 @@
           <p:cNvPr id="12" name="Footer Placeholder 2">
             <a:extLst>
               <a:ext uri="{FF2B5EF4-FFF2-40B4-BE49-F238E27FC236}">
-                <a16:creationId xmlns:a16="http://schemas.microsoft.com/office/drawing/2014/main" xmlns="" id="{5FB08BE4-C3B1-4781-BC6A-C3A3C630CD94}"/>
+                <a16:creationId xmlns="" xmlns:a16="http://schemas.microsoft.com/office/drawing/2014/main" id="{5FB08BE4-C3B1-4781-BC6A-C3A3C630CD94}"/>
               </a:ext>
             </a:extLst>
           </p:cNvPr>
@@ -5709,7 +5709,7 @@
     </p:spTree>
     <p:extLst>
       <p:ext uri="{BB962C8B-B14F-4D97-AF65-F5344CB8AC3E}">
-        <p14:creationId xmlns:p14="http://schemas.microsoft.com/office/powerpoint/2010/main" xmlns="" val="260190726"/>
+        <p14:creationId xmlns="" xmlns:p14="http://schemas.microsoft.com/office/powerpoint/2010/main" val="260190726"/>
       </p:ext>
     </p:extLst>
   </p:cSld>
@@ -5751,7 +5751,7 @@
         </p:nvSpPr>
         <p:spPr>
           <a:xfrm>
-            <a:off x="184979" y="692696"/>
+            <a:off x="184979" y="1399096"/>
             <a:ext cx="11820454" cy="369332"/>
           </a:xfrm>
           <a:prstGeom prst="rect">
@@ -5807,7 +5807,7 @@
           <p:cNvPr id="10" name="Picture 9">
             <a:extLst>
               <a:ext uri="{FF2B5EF4-FFF2-40B4-BE49-F238E27FC236}">
-                <a16:creationId xmlns:a16="http://schemas.microsoft.com/office/drawing/2014/main" xmlns="" id="{048BD748-B206-47BA-A66B-CE75AF072764}"/>
+                <a16:creationId xmlns="" xmlns:a16="http://schemas.microsoft.com/office/drawing/2014/main" id="{048BD748-B206-47BA-A66B-CE75AF072764}"/>
               </a:ext>
             </a:extLst>
           </p:cNvPr>
@@ -5820,7 +5820,7 @@
           <a:blip r:embed="rId2" cstate="print">
             <a:extLst>
               <a:ext uri="{28A0092B-C50C-407E-A947-70E740481C1C}">
-                <a14:useLocalDpi xmlns:a14="http://schemas.microsoft.com/office/drawing/2010/main" xmlns="" val="0"/>
+                <a14:useLocalDpi xmlns="" xmlns:a14="http://schemas.microsoft.com/office/drawing/2010/main" val="0"/>
               </a:ext>
             </a:extLst>
           </a:blip>
@@ -5843,7 +5843,7 @@
           <p:cNvPr id="12" name="Footer Placeholder 2">
             <a:extLst>
               <a:ext uri="{FF2B5EF4-FFF2-40B4-BE49-F238E27FC236}">
-                <a16:creationId xmlns:a16="http://schemas.microsoft.com/office/drawing/2014/main" xmlns="" id="{5FB08BE4-C3B1-4781-BC6A-C3A3C630CD94}"/>
+                <a16:creationId xmlns="" xmlns:a16="http://schemas.microsoft.com/office/drawing/2014/main" id="{5FB08BE4-C3B1-4781-BC6A-C3A3C630CD94}"/>
               </a:ext>
             </a:extLst>
           </p:cNvPr>
@@ -6024,7 +6024,7 @@
         </p:nvSpPr>
         <p:spPr>
           <a:xfrm>
-            <a:off x="262558" y="2276872"/>
+            <a:off x="262558" y="2983272"/>
             <a:ext cx="5301388" cy="369332"/>
           </a:xfrm>
           <a:prstGeom prst="rect">
@@ -6066,7 +6066,7 @@
         </p:blipFill>
         <p:spPr bwMode="auto">
           <a:xfrm>
-            <a:off x="334566" y="2780928"/>
+            <a:off x="334566" y="3487328"/>
             <a:ext cx="7794701" cy="1656184"/>
           </a:xfrm>
           <a:prstGeom prst="rect">
@@ -6089,7 +6089,7 @@
         </p:nvSpPr>
         <p:spPr>
           <a:xfrm>
-            <a:off x="262558" y="1340768"/>
+            <a:off x="262558" y="2047168"/>
             <a:ext cx="7848872" cy="646331"/>
           </a:xfrm>
           <a:prstGeom prst="rect">
@@ -6142,10 +6142,41 @@
           </a:p>
         </p:txBody>
       </p:sp>
+      <p:sp>
+        <p:nvSpPr>
+          <p:cNvPr id="9" name="Rectangle 8"/>
+          <p:cNvSpPr/>
+          <p:nvPr/>
+        </p:nvSpPr>
+        <p:spPr>
+          <a:xfrm>
+            <a:off x="406574" y="836712"/>
+            <a:ext cx="851515" cy="369332"/>
+          </a:xfrm>
+          <a:prstGeom prst="rect">
+            <a:avLst/>
+          </a:prstGeom>
+        </p:spPr>
+        <p:txBody>
+          <a:bodyPr wrap="none">
+            <a:spAutoFit/>
+          </a:bodyPr>
+          <a:lstStyle/>
+          <a:p>
+            <a:r>
+              <a:rPr lang="en-US" dirty="0" smtClean="0">
+                <a:latin typeface="Liberation Mono"/>
+              </a:rPr>
+              <a:t>syntax</a:t>
+            </a:r>
+            <a:endParaRPr lang="en-US" dirty="0"/>
+          </a:p>
+        </p:txBody>
+      </p:sp>
     </p:spTree>
     <p:extLst>
       <p:ext uri="{BB962C8B-B14F-4D97-AF65-F5344CB8AC3E}">
-        <p14:creationId xmlns:p14="http://schemas.microsoft.com/office/powerpoint/2010/main" xmlns="" val="260190726"/>
+        <p14:creationId xmlns="" xmlns:p14="http://schemas.microsoft.com/office/powerpoint/2010/main" val="260190726"/>
       </p:ext>
     </p:extLst>
   </p:cSld>
@@ -6243,7 +6274,7 @@
           <p:cNvPr id="10" name="Picture 9">
             <a:extLst>
               <a:ext uri="{FF2B5EF4-FFF2-40B4-BE49-F238E27FC236}">
-                <a16:creationId xmlns:a16="http://schemas.microsoft.com/office/drawing/2014/main" xmlns="" id="{048BD748-B206-47BA-A66B-CE75AF072764}"/>
+                <a16:creationId xmlns="" xmlns:a16="http://schemas.microsoft.com/office/drawing/2014/main" id="{048BD748-B206-47BA-A66B-CE75AF072764}"/>
               </a:ext>
             </a:extLst>
           </p:cNvPr>
@@ -6256,7 +6287,7 @@
           <a:blip r:embed="rId2" cstate="print">
             <a:extLst>
               <a:ext uri="{28A0092B-C50C-407E-A947-70E740481C1C}">
-                <a14:useLocalDpi xmlns:a14="http://schemas.microsoft.com/office/drawing/2010/main" xmlns="" val="0"/>
+                <a14:useLocalDpi xmlns="" xmlns:a14="http://schemas.microsoft.com/office/drawing/2010/main" val="0"/>
               </a:ext>
             </a:extLst>
           </a:blip>
@@ -6279,7 +6310,7 @@
           <p:cNvPr id="12" name="Footer Placeholder 2">
             <a:extLst>
               <a:ext uri="{FF2B5EF4-FFF2-40B4-BE49-F238E27FC236}">
-                <a16:creationId xmlns:a16="http://schemas.microsoft.com/office/drawing/2014/main" xmlns="" id="{5FB08BE4-C3B1-4781-BC6A-C3A3C630CD94}"/>
+                <a16:creationId xmlns="" xmlns:a16="http://schemas.microsoft.com/office/drawing/2014/main" id="{5FB08BE4-C3B1-4781-BC6A-C3A3C630CD94}"/>
               </a:ext>
             </a:extLst>
           </p:cNvPr>
@@ -6479,7 +6510,7 @@
     </p:spTree>
     <p:extLst>
       <p:ext uri="{BB962C8B-B14F-4D97-AF65-F5344CB8AC3E}">
-        <p14:creationId xmlns:p14="http://schemas.microsoft.com/office/powerpoint/2010/main" xmlns="" val="260190726"/>
+        <p14:creationId xmlns="" xmlns:p14="http://schemas.microsoft.com/office/powerpoint/2010/main" val="260190726"/>
       </p:ext>
     </p:extLst>
   </p:cSld>
@@ -6625,7 +6656,7 @@
           <p:cNvPr id="7" name="Picture 6">
             <a:extLst>
               <a:ext uri="{FF2B5EF4-FFF2-40B4-BE49-F238E27FC236}">
-                <a16:creationId xmlns="" xmlns:a16="http://schemas.microsoft.com/office/drawing/2014/main" id="{D549EEF8-0DDC-4ADB-8B68-691DD0B6B1E9}"/>
+                <a16:creationId xmlns:a16="http://schemas.microsoft.com/office/drawing/2014/main" xmlns="" id="{D549EEF8-0DDC-4ADB-8B68-691DD0B6B1E9}"/>
               </a:ext>
             </a:extLst>
           </p:cNvPr>
@@ -6638,7 +6669,7 @@
           <a:blip r:embed="rId2" cstate="print">
             <a:extLst>
               <a:ext uri="{28A0092B-C50C-407E-A947-70E740481C1C}">
-                <a14:useLocalDpi xmlns="" xmlns:a14="http://schemas.microsoft.com/office/drawing/2010/main" val="0"/>
+                <a14:useLocalDpi xmlns:a14="http://schemas.microsoft.com/office/drawing/2010/main" xmlns="" val="0"/>
               </a:ext>
             </a:extLst>
           </a:blip>
@@ -6661,7 +6692,7 @@
           <p:cNvPr id="9" name="Footer Placeholder 2">
             <a:extLst>
               <a:ext uri="{FF2B5EF4-FFF2-40B4-BE49-F238E27FC236}">
-                <a16:creationId xmlns="" xmlns:a16="http://schemas.microsoft.com/office/drawing/2014/main" id="{FE7D71F0-97C1-4A7C-A634-BE2CA956F0C6}"/>
+                <a16:creationId xmlns:a16="http://schemas.microsoft.com/office/drawing/2014/main" xmlns="" id="{FE7D71F0-97C1-4A7C-A634-BE2CA956F0C6}"/>
               </a:ext>
             </a:extLst>
           </p:cNvPr>
@@ -7302,7 +7333,7 @@
     </p:spTree>
     <p:extLst>
       <p:ext uri="{BB962C8B-B14F-4D97-AF65-F5344CB8AC3E}">
-        <p14:creationId xmlns="" xmlns:p14="http://schemas.microsoft.com/office/powerpoint/2010/main" val="3160401395"/>
+        <p14:creationId xmlns:p14="http://schemas.microsoft.com/office/powerpoint/2010/main" xmlns="" val="3160401395"/>
       </p:ext>
     </p:extLst>
   </p:cSld>

--- a/Video Ver1/Video PPT/30. Natural Join.pptx
+++ b/Video Ver1/Video PPT/30. Natural Join.pptx
@@ -5,15 +5,16 @@
     <p:sldMasterId id="2147483648" r:id="rId1"/>
   </p:sldMasterIdLst>
   <p:notesMasterIdLst>
-    <p:notesMasterId r:id="rId8"/>
+    <p:notesMasterId r:id="rId9"/>
   </p:notesMasterIdLst>
   <p:sldIdLst>
     <p:sldId id="509" r:id="rId2"/>
-    <p:sldId id="508" r:id="rId3"/>
-    <p:sldId id="512" r:id="rId4"/>
-    <p:sldId id="514" r:id="rId5"/>
-    <p:sldId id="513" r:id="rId6"/>
-    <p:sldId id="511" r:id="rId7"/>
+    <p:sldId id="515" r:id="rId3"/>
+    <p:sldId id="516" r:id="rId4"/>
+    <p:sldId id="508" r:id="rId5"/>
+    <p:sldId id="512" r:id="rId6"/>
+    <p:sldId id="514" r:id="rId7"/>
+    <p:sldId id="511" r:id="rId8"/>
   </p:sldIdLst>
   <p:sldSz cx="12190413" cy="6858000"/>
   <p:notesSz cx="6858000" cy="9144000"/>
@@ -867,7 +868,7 @@
             <a:fld id="{4DF51050-3720-483B-B552-57DC1341D582}" type="datetimeFigureOut">
               <a:rPr lang="en-US" smtClean="0"/>
               <a:pPr/>
-              <a:t>6/22/2020</a:t>
+              <a:t>6/24/2020</a:t>
             </a:fld>
             <a:endParaRPr lang="en-US"/>
           </a:p>
@@ -1326,7 +1327,7 @@
             <a:fld id="{EEE556E8-492E-4E8F-8E7F-7A7787724D01}" type="datetimeFigureOut">
               <a:rPr lang="en-US" smtClean="0"/>
               <a:pPr/>
-              <a:t>6/22/2020</a:t>
+              <a:t>6/24/2020</a:t>
             </a:fld>
             <a:endParaRPr lang="en-US"/>
           </a:p>
@@ -1531,7 +1532,7 @@
             <a:fld id="{EEE556E8-492E-4E8F-8E7F-7A7787724D01}" type="datetimeFigureOut">
               <a:rPr lang="en-US" smtClean="0"/>
               <a:pPr/>
-              <a:t>6/22/2020</a:t>
+              <a:t>6/24/2020</a:t>
             </a:fld>
             <a:endParaRPr lang="en-US"/>
           </a:p>
@@ -1736,7 +1737,7 @@
             <a:fld id="{EEE556E8-492E-4E8F-8E7F-7A7787724D01}" type="datetimeFigureOut">
               <a:rPr lang="en-US" smtClean="0"/>
               <a:pPr/>
-              <a:t>6/22/2020</a:t>
+              <a:t>6/24/2020</a:t>
             </a:fld>
             <a:endParaRPr lang="en-US"/>
           </a:p>
@@ -1941,7 +1942,7 @@
             <a:fld id="{EEE556E8-492E-4E8F-8E7F-7A7787724D01}" type="datetimeFigureOut">
               <a:rPr lang="en-US" smtClean="0"/>
               <a:pPr/>
-              <a:t>6/22/2020</a:t>
+              <a:t>6/24/2020</a:t>
             </a:fld>
             <a:endParaRPr lang="en-US"/>
           </a:p>
@@ -2213,7 +2214,7 @@
             <a:fld id="{EEE556E8-492E-4E8F-8E7F-7A7787724D01}" type="datetimeFigureOut">
               <a:rPr lang="en-US" smtClean="0"/>
               <a:pPr/>
-              <a:t>6/22/2020</a:t>
+              <a:t>6/24/2020</a:t>
             </a:fld>
             <a:endParaRPr lang="en-US"/>
           </a:p>
@@ -2533,7 +2534,7 @@
             <a:fld id="{EEE556E8-492E-4E8F-8E7F-7A7787724D01}" type="datetimeFigureOut">
               <a:rPr lang="en-US" smtClean="0"/>
               <a:pPr/>
-              <a:t>6/22/2020</a:t>
+              <a:t>6/24/2020</a:t>
             </a:fld>
             <a:endParaRPr lang="en-US"/>
           </a:p>
@@ -2993,7 +2994,7 @@
             <a:fld id="{EEE556E8-492E-4E8F-8E7F-7A7787724D01}" type="datetimeFigureOut">
               <a:rPr lang="en-US" smtClean="0"/>
               <a:pPr/>
-              <a:t>6/22/2020</a:t>
+              <a:t>6/24/2020</a:t>
             </a:fld>
             <a:endParaRPr lang="en-US"/>
           </a:p>
@@ -3139,7 +3140,7 @@
             <a:fld id="{EEE556E8-492E-4E8F-8E7F-7A7787724D01}" type="datetimeFigureOut">
               <a:rPr lang="en-US" smtClean="0"/>
               <a:pPr/>
-              <a:t>6/22/2020</a:t>
+              <a:t>6/24/2020</a:t>
             </a:fld>
             <a:endParaRPr lang="en-US"/>
           </a:p>
@@ -3469,7 +3470,7 @@
             <a:fld id="{EEE556E8-492E-4E8F-8E7F-7A7787724D01}" type="datetimeFigureOut">
               <a:rPr lang="en-US" smtClean="0"/>
               <a:pPr/>
-              <a:t>6/22/2020</a:t>
+              <a:t>6/24/2020</a:t>
             </a:fld>
             <a:endParaRPr lang="en-US"/>
           </a:p>
@@ -3751,7 +3752,7 @@
             <a:fld id="{EEE556E8-492E-4E8F-8E7F-7A7787724D01}" type="datetimeFigureOut">
               <a:rPr lang="en-US" smtClean="0"/>
               <a:pPr/>
-              <a:t>6/22/2020</a:t>
+              <a:t>6/24/2020</a:t>
             </a:fld>
             <a:endParaRPr lang="en-US"/>
           </a:p>
@@ -4343,6 +4344,254 @@
           </a:p>
         </p:txBody>
       </p:sp>
+    </p:spTree>
+    <p:extLst>
+      <p:ext uri="{BB962C8B-B14F-4D97-AF65-F5344CB8AC3E}">
+        <p14:creationId xmlns:p14="http://schemas.microsoft.com/office/powerpoint/2010/main" xmlns="" val="4253925860"/>
+      </p:ext>
+    </p:extLst>
+  </p:cSld>
+  <p:clrMapOvr>
+    <a:masterClrMapping/>
+  </p:clrMapOvr>
+  <p:timing>
+    <p:tnLst>
+      <p:par>
+        <p:cTn id="1" dur="indefinite" restart="never" nodeType="tmRoot"/>
+      </p:par>
+    </p:tnLst>
+  </p:timing>
+</p:sld>
+</file>
+
+<file path=ppt/slides/slide2.xml><?xml version="1.0" encoding="utf-8"?>
+<p:sld xmlns:a="http://schemas.openxmlformats.org/drawingml/2006/main" xmlns:r="http://schemas.openxmlformats.org/officeDocument/2006/relationships" xmlns:p="http://schemas.openxmlformats.org/presentationml/2006/main">
+  <p:cSld>
+    <p:spTree>
+      <p:nvGrpSpPr>
+        <p:cNvPr id="1" name=""/>
+        <p:cNvGrpSpPr/>
+        <p:nvPr/>
+      </p:nvGrpSpPr>
+      <p:grpSpPr>
+        <a:xfrm>
+          <a:off x="0" y="0"/>
+          <a:ext cx="0" cy="0"/>
+          <a:chOff x="0" y="0"/>
+          <a:chExt cx="0" cy="0"/>
+        </a:xfrm>
+      </p:grpSpPr>
+      <p:sp>
+        <p:nvSpPr>
+          <p:cNvPr id="2" name="Title 1"/>
+          <p:cNvSpPr txBox="1">
+            <a:spLocks/>
+          </p:cNvSpPr>
+          <p:nvPr/>
+        </p:nvSpPr>
+        <p:spPr>
+          <a:xfrm>
+            <a:off x="1630710" y="980728"/>
+            <a:ext cx="8838049" cy="914400"/>
+          </a:xfrm>
+          <a:prstGeom prst="rect">
+            <a:avLst/>
+          </a:prstGeom>
+        </p:spPr>
+        <p:txBody>
+          <a:bodyPr>
+            <a:normAutofit/>
+          </a:bodyPr>
+          <a:lstStyle/>
+          <a:p>
+            <a:pPr algn="ctr">
+              <a:spcBef>
+                <a:spcPct val="0"/>
+              </a:spcBef>
+              <a:defRPr/>
+            </a:pPr>
+            <a:r>
+              <a:rPr lang="en-US" sz="4800" dirty="0" smtClean="0">
+                <a:latin typeface="Segoe UI Light" panose="020B0502040204020203" pitchFamily="34" charset="0"/>
+                <a:cs typeface="Segoe UI Light" panose="020B0502040204020203" pitchFamily="34" charset="0"/>
+              </a:rPr>
+              <a:t>Natural Join</a:t>
+            </a:r>
+            <a:endParaRPr lang="en-US" sz="4800" dirty="0">
+              <a:latin typeface="Segoe UI Light" panose="020B0502040204020203" pitchFamily="34" charset="0"/>
+              <a:cs typeface="Segoe UI Light" panose="020B0502040204020203" pitchFamily="34" charset="0"/>
+            </a:endParaRPr>
+          </a:p>
+        </p:txBody>
+      </p:sp>
+      <p:pic>
+        <p:nvPicPr>
+          <p:cNvPr id="3" name="Picture 2">
+            <a:extLst>
+              <a:ext uri="{FF2B5EF4-FFF2-40B4-BE49-F238E27FC236}">
+                <a16:creationId xmlns:a16="http://schemas.microsoft.com/office/drawing/2014/main" xmlns="" id="{41A85463-8A73-4AAF-B006-A8206B2E4A66}"/>
+              </a:ext>
+            </a:extLst>
+          </p:cNvPr>
+          <p:cNvPicPr>
+            <a:picLocks noChangeAspect="1"/>
+          </p:cNvPicPr>
+          <p:nvPr/>
+        </p:nvPicPr>
+        <p:blipFill>
+          <a:blip r:embed="rId2" cstate="print">
+            <a:extLst>
+              <a:ext uri="{28A0092B-C50C-407E-A947-70E740481C1C}">
+                <a14:useLocalDpi xmlns:a14="http://schemas.microsoft.com/office/drawing/2010/main" xmlns="" val="0"/>
+              </a:ext>
+            </a:extLst>
+          </a:blip>
+          <a:stretch>
+            <a:fillRect/>
+          </a:stretch>
+        </p:blipFill>
+        <p:spPr>
+          <a:xfrm>
+            <a:off x="118542" y="116632"/>
+            <a:ext cx="1371859" cy="445150"/>
+          </a:xfrm>
+          <a:prstGeom prst="rect">
+            <a:avLst/>
+          </a:prstGeom>
+        </p:spPr>
+      </p:pic>
+      <p:sp>
+        <p:nvSpPr>
+          <p:cNvPr id="4" name="Footer Placeholder 2">
+            <a:extLst>
+              <a:ext uri="{FF2B5EF4-FFF2-40B4-BE49-F238E27FC236}">
+                <a16:creationId xmlns:a16="http://schemas.microsoft.com/office/drawing/2014/main" xmlns="" id="{4610B96E-6F6B-4597-8ADF-B68C8A17E820}"/>
+              </a:ext>
+            </a:extLst>
+          </p:cNvPr>
+          <p:cNvSpPr txBox="1">
+            <a:spLocks/>
+          </p:cNvSpPr>
+          <p:nvPr/>
+        </p:nvSpPr>
+        <p:spPr>
+          <a:xfrm>
+            <a:off x="3237431" y="6523037"/>
+            <a:ext cx="5400600" cy="365125"/>
+          </a:xfrm>
+          <a:prstGeom prst="rect">
+            <a:avLst/>
+          </a:prstGeom>
+        </p:spPr>
+        <p:txBody>
+          <a:bodyPr/>
+          <a:lstStyle>
+            <a:defPPr>
+              <a:defRPr lang="en-US"/>
+            </a:defPPr>
+            <a:lvl1pPr marL="0" algn="l" defTabSz="914400" rtl="0" eaLnBrk="1" latinLnBrk="0" hangingPunct="1">
+              <a:defRPr sz="1050" kern="1200">
+                <a:solidFill>
+                  <a:schemeClr val="tx1"/>
+                </a:solidFill>
+                <a:latin typeface="+mn-lt"/>
+                <a:ea typeface="+mn-ea"/>
+                <a:cs typeface="+mn-cs"/>
+              </a:defRPr>
+            </a:lvl1pPr>
+            <a:lvl2pPr marL="457200" algn="l" defTabSz="914400" rtl="0" eaLnBrk="1" latinLnBrk="0" hangingPunct="1">
+              <a:defRPr sz="1800" kern="1200">
+                <a:solidFill>
+                  <a:schemeClr val="tx1"/>
+                </a:solidFill>
+                <a:latin typeface="+mn-lt"/>
+                <a:ea typeface="+mn-ea"/>
+                <a:cs typeface="+mn-cs"/>
+              </a:defRPr>
+            </a:lvl2pPr>
+            <a:lvl3pPr marL="914400" algn="l" defTabSz="914400" rtl="0" eaLnBrk="1" latinLnBrk="0" hangingPunct="1">
+              <a:defRPr sz="1800" kern="1200">
+                <a:solidFill>
+                  <a:schemeClr val="tx1"/>
+                </a:solidFill>
+                <a:latin typeface="+mn-lt"/>
+                <a:ea typeface="+mn-ea"/>
+                <a:cs typeface="+mn-cs"/>
+              </a:defRPr>
+            </a:lvl3pPr>
+            <a:lvl4pPr marL="1371600" algn="l" defTabSz="914400" rtl="0" eaLnBrk="1" latinLnBrk="0" hangingPunct="1">
+              <a:defRPr sz="1800" kern="1200">
+                <a:solidFill>
+                  <a:schemeClr val="tx1"/>
+                </a:solidFill>
+                <a:latin typeface="+mn-lt"/>
+                <a:ea typeface="+mn-ea"/>
+                <a:cs typeface="+mn-cs"/>
+              </a:defRPr>
+            </a:lvl4pPr>
+            <a:lvl5pPr marL="1828800" algn="l" defTabSz="914400" rtl="0" eaLnBrk="1" latinLnBrk="0" hangingPunct="1">
+              <a:defRPr sz="1800" kern="1200">
+                <a:solidFill>
+                  <a:schemeClr val="tx1"/>
+                </a:solidFill>
+                <a:latin typeface="+mn-lt"/>
+                <a:ea typeface="+mn-ea"/>
+                <a:cs typeface="+mn-cs"/>
+              </a:defRPr>
+            </a:lvl5pPr>
+            <a:lvl6pPr marL="2286000" algn="l" defTabSz="914400" rtl="0" eaLnBrk="1" latinLnBrk="0" hangingPunct="1">
+              <a:defRPr sz="1800" kern="1200">
+                <a:solidFill>
+                  <a:schemeClr val="tx1"/>
+                </a:solidFill>
+                <a:latin typeface="+mn-lt"/>
+                <a:ea typeface="+mn-ea"/>
+                <a:cs typeface="+mn-cs"/>
+              </a:defRPr>
+            </a:lvl6pPr>
+            <a:lvl7pPr marL="2743200" algn="l" defTabSz="914400" rtl="0" eaLnBrk="1" latinLnBrk="0" hangingPunct="1">
+              <a:defRPr sz="1800" kern="1200">
+                <a:solidFill>
+                  <a:schemeClr val="tx1"/>
+                </a:solidFill>
+                <a:latin typeface="+mn-lt"/>
+                <a:ea typeface="+mn-ea"/>
+                <a:cs typeface="+mn-cs"/>
+              </a:defRPr>
+            </a:lvl7pPr>
+            <a:lvl8pPr marL="3200400" algn="l" defTabSz="914400" rtl="0" eaLnBrk="1" latinLnBrk="0" hangingPunct="1">
+              <a:defRPr sz="1800" kern="1200">
+                <a:solidFill>
+                  <a:schemeClr val="tx1"/>
+                </a:solidFill>
+                <a:latin typeface="+mn-lt"/>
+                <a:ea typeface="+mn-ea"/>
+                <a:cs typeface="+mn-cs"/>
+              </a:defRPr>
+            </a:lvl8pPr>
+            <a:lvl9pPr marL="3657600" algn="l" defTabSz="914400" rtl="0" eaLnBrk="1" latinLnBrk="0" hangingPunct="1">
+              <a:defRPr sz="1800" kern="1200">
+                <a:solidFill>
+                  <a:schemeClr val="tx1"/>
+                </a:solidFill>
+                <a:latin typeface="+mn-lt"/>
+                <a:ea typeface="+mn-ea"/>
+                <a:cs typeface="+mn-cs"/>
+              </a:defRPr>
+            </a:lvl9pPr>
+          </a:lstStyle>
+          <a:p>
+            <a:r>
+              <a:rPr lang="en-US" dirty="0"/>
+              <a:t>Infoway Technologies, 3rd  Floor Commerce Centre, Rambaug Colony, Paud Road Pune 411038</a:t>
+            </a:r>
+            <a:endParaRPr lang="en-IN" dirty="0"/>
+          </a:p>
+          <a:p>
+            <a:endParaRPr lang="en-US" dirty="0"/>
+          </a:p>
+        </p:txBody>
+      </p:sp>
       <p:sp>
         <p:nvSpPr>
           <p:cNvPr id="8" name="Rectangle 7"/>
@@ -4761,7 +5010,7 @@
 </p:sld>
 </file>
 
-<file path=ppt/slides/slide2.xml><?xml version="1.0" encoding="utf-8"?>
+<file path=ppt/slides/slide3.xml><?xml version="1.0" encoding="utf-8"?>
 <p:sld xmlns:a="http://schemas.openxmlformats.org/drawingml/2006/main" xmlns:r="http://schemas.openxmlformats.org/officeDocument/2006/relationships" xmlns:p="http://schemas.openxmlformats.org/presentationml/2006/main">
   <p:cSld>
     <p:spTree>
@@ -4778,37 +5027,6 @@
           <a:chExt cx="0" cy="0"/>
         </a:xfrm>
       </p:grpSpPr>
-      <p:sp>
-        <p:nvSpPr>
-          <p:cNvPr id="5" name="Rectangle 4"/>
-          <p:cNvSpPr/>
-          <p:nvPr/>
-        </p:nvSpPr>
-        <p:spPr>
-          <a:xfrm>
-            <a:off x="152380" y="908720"/>
-            <a:ext cx="11631458" cy="400110"/>
-          </a:xfrm>
-          <a:prstGeom prst="rect">
-            <a:avLst/>
-          </a:prstGeom>
-        </p:spPr>
-        <p:txBody>
-          <a:bodyPr wrap="square">
-            <a:spAutoFit/>
-          </a:bodyPr>
-          <a:lstStyle/>
-          <a:p>
-            <a:r>
-              <a:rPr lang="en-IN" sz="2000" dirty="0">
-                <a:latin typeface="Palatino Linotype" panose="02040502050505030304" pitchFamily="18" charset="0"/>
-                <a:cs typeface="Arial" panose="020B0604020202020204" pitchFamily="34" charset="0"/>
-              </a:rPr>
-              <a:t>The NATURAL JOIN is such a join that performs the same task as an INNER JOIN.</a:t>
-            </a:r>
-          </a:p>
-        </p:txBody>
-      </p:sp>
       <p:pic>
         <p:nvPicPr>
           <p:cNvPr id="10" name="Picture 9">
@@ -5023,224 +5241,39 @@
           </a:p>
         </p:txBody>
       </p:sp>
-      <p:sp>
-        <p:nvSpPr>
-          <p:cNvPr id="9" name="Rectangle 8"/>
-          <p:cNvSpPr/>
+      <p:pic>
+        <p:nvPicPr>
+          <p:cNvPr id="1026" name="Picture 2"/>
+          <p:cNvPicPr>
+            <a:picLocks noChangeAspect="1" noChangeArrowheads="1"/>
+          </p:cNvPicPr>
           <p:nvPr/>
-        </p:nvSpPr>
-        <p:spPr>
-          <a:xfrm>
-            <a:off x="1198662" y="1700808"/>
-            <a:ext cx="3744416" cy="3693319"/>
-          </a:xfrm>
-          <a:prstGeom prst="rect">
-            <a:avLst/>
-          </a:prstGeom>
-        </p:spPr>
-        <p:txBody>
-          <a:bodyPr wrap="square">
-            <a:spAutoFit/>
-          </a:bodyPr>
-          <a:lstStyle/>
-          <a:p>
-            <a:r>
-              <a:rPr lang="en-US" dirty="0" smtClean="0">
-                <a:latin typeface="Palatino Linotype" pitchFamily="18" charset="0"/>
-              </a:rPr>
-              <a:t>CREATE TABLE food (</a:t>
-            </a:r>
-          </a:p>
-          <a:p>
-            <a:r>
-              <a:rPr lang="en-US" dirty="0" smtClean="0">
-                <a:latin typeface="Palatino Linotype" pitchFamily="18" charset="0"/>
-              </a:rPr>
-              <a:t>    item_id INT,</a:t>
-            </a:r>
-          </a:p>
-          <a:p>
-            <a:r>
-              <a:rPr lang="en-US" dirty="0" smtClean="0">
-                <a:latin typeface="Palatino Linotype" pitchFamily="18" charset="0"/>
-              </a:rPr>
-              <a:t>    item_name VARCHAR(45),</a:t>
-            </a:r>
-          </a:p>
-          <a:p>
-            <a:r>
-              <a:rPr lang="en-US" dirty="0" smtClean="0">
-                <a:latin typeface="Palatino Linotype" pitchFamily="18" charset="0"/>
-              </a:rPr>
-              <a:t>    item_unit VARCHAR(45),</a:t>
-            </a:r>
-          </a:p>
-          <a:p>
-            <a:r>
-              <a:rPr lang="en-US" dirty="0" smtClean="0">
-                <a:latin typeface="Palatino Linotype" pitchFamily="18" charset="0"/>
-              </a:rPr>
-              <a:t>    company_id INT  );</a:t>
-            </a:r>
-          </a:p>
-          <a:p>
-            <a:endParaRPr lang="en-US" dirty="0" smtClean="0">
-              <a:latin typeface="Palatino Linotype" pitchFamily="18" charset="0"/>
-            </a:endParaRPr>
-          </a:p>
-          <a:p>
-            <a:endParaRPr lang="en-US" dirty="0" smtClean="0">
-              <a:latin typeface="Palatino Linotype" pitchFamily="18" charset="0"/>
-            </a:endParaRPr>
-          </a:p>
-          <a:p>
-            <a:endParaRPr lang="en-US" dirty="0" smtClean="0">
-              <a:latin typeface="Palatino Linotype" pitchFamily="18" charset="0"/>
-            </a:endParaRPr>
-          </a:p>
-          <a:p>
-            <a:r>
-              <a:rPr lang="en-US" dirty="0" smtClean="0">
-                <a:latin typeface="Palatino Linotype" pitchFamily="18" charset="0"/>
-              </a:rPr>
-              <a:t>CREATE TABLE company (</a:t>
-            </a:r>
-          </a:p>
-          <a:p>
-            <a:r>
-              <a:rPr lang="en-US" dirty="0" smtClean="0">
-                <a:latin typeface="Palatino Linotype" pitchFamily="18" charset="0"/>
-              </a:rPr>
-              <a:t>    company_id INT,</a:t>
-            </a:r>
-          </a:p>
-          <a:p>
-            <a:r>
-              <a:rPr lang="en-US" dirty="0" smtClean="0">
-                <a:latin typeface="Palatino Linotype" pitchFamily="18" charset="0"/>
-              </a:rPr>
-              <a:t>    company_name VARCHAR(45),</a:t>
-            </a:r>
-          </a:p>
-          <a:p>
-            <a:r>
-              <a:rPr lang="en-US" dirty="0" smtClean="0">
-                <a:latin typeface="Palatino Linotype" pitchFamily="18" charset="0"/>
-              </a:rPr>
-              <a:t>    company_city VARCHAR(45)</a:t>
-            </a:r>
-          </a:p>
-          <a:p>
-            <a:r>
-              <a:rPr lang="en-US" dirty="0" smtClean="0">
-                <a:latin typeface="Palatino Linotype" pitchFamily="18" charset="0"/>
-              </a:rPr>
-              <a:t>);</a:t>
-            </a:r>
-            <a:endParaRPr lang="en-US" dirty="0">
-              <a:latin typeface="Palatino Linotype" pitchFamily="18" charset="0"/>
-            </a:endParaRPr>
-          </a:p>
-        </p:txBody>
-      </p:sp>
-      <p:sp>
-        <p:nvSpPr>
-          <p:cNvPr id="11" name="Rectangle 10"/>
-          <p:cNvSpPr/>
-          <p:nvPr/>
-        </p:nvSpPr>
-        <p:spPr>
-          <a:xfrm>
-            <a:off x="5663158" y="1628800"/>
-            <a:ext cx="6092825" cy="3693319"/>
-          </a:xfrm>
-          <a:prstGeom prst="rect">
-            <a:avLst/>
-          </a:prstGeom>
-        </p:spPr>
-        <p:txBody>
-          <a:bodyPr>
-            <a:spAutoFit/>
-          </a:bodyPr>
-          <a:lstStyle/>
-          <a:p>
-            <a:r>
-              <a:rPr lang="en-US" dirty="0" smtClean="0"/>
-              <a:t>INSERT INTO food VALUES (1, 'biscuit', 'packet',18);</a:t>
-            </a:r>
-          </a:p>
-          <a:p>
-            <a:r>
-              <a:rPr lang="en-US" dirty="0" smtClean="0"/>
-              <a:t>INSERT INTO food VALUES (4, 'cakes', 'Pcs', 15);</a:t>
-            </a:r>
-          </a:p>
-          <a:p>
-            <a:r>
-              <a:rPr lang="en-US" dirty="0" smtClean="0"/>
-              <a:t>INSERT INTO food VALUES (6, 'cheez', 'packet', 16);</a:t>
-            </a:r>
-          </a:p>
-          <a:p>
-            <a:r>
-              <a:rPr lang="en-US" dirty="0" smtClean="0"/>
-              <a:t>INSERT INTO food VALUES (5, 'butter', 'packet', 17);</a:t>
-            </a:r>
-          </a:p>
-          <a:p>
-            <a:r>
-              <a:rPr lang="en-US" dirty="0" smtClean="0"/>
-              <a:t>INSERT INTO food VALUES (2, 'bread', 'packet', 19);</a:t>
-            </a:r>
-          </a:p>
-          <a:p>
-            <a:r>
-              <a:rPr lang="en-US" dirty="0" smtClean="0"/>
-              <a:t>INSERT INTO food VALUES (7, 'eggs', 'Pcs', NULL);</a:t>
-            </a:r>
-          </a:p>
-          <a:p>
-            <a:r>
-              <a:rPr lang="en-US" dirty="0" smtClean="0"/>
-              <a:t>INSERT INTO food VALUES (3, 'salt', 'packet', NULL);</a:t>
-            </a:r>
-          </a:p>
-          <a:p>
-            <a:endParaRPr lang="en-US" dirty="0" smtClean="0"/>
-          </a:p>
-          <a:p>
-            <a:r>
-              <a:rPr lang="en-US" dirty="0" smtClean="0"/>
-              <a:t>INSERT INTO company  VALUES (18, 'Akas Foods', 'pune');</a:t>
-            </a:r>
-          </a:p>
-          <a:p>
-            <a:r>
-              <a:rPr lang="en-US" dirty="0" smtClean="0"/>
-              <a:t>INSERT INTO company  VALUES (15, 'Foodies', 'baroda');</a:t>
-            </a:r>
-          </a:p>
-          <a:p>
-            <a:r>
-              <a:rPr lang="en-US" dirty="0" smtClean="0"/>
-              <a:t>INSERT INTO company  VALUES (16, 'Gold Foods', 'surat');</a:t>
-            </a:r>
-          </a:p>
-          <a:p>
-            <a:r>
-              <a:rPr lang="en-US" dirty="0" smtClean="0"/>
-              <a:t>INSERT INTO company  VALUES (17, 'Natural Foons', 'pune');</a:t>
-            </a:r>
-          </a:p>
-          <a:p>
-            <a:r>
-              <a:rPr lang="en-US" dirty="0" smtClean="0"/>
-              <a:t>INSERT INTO company  VALUES (19, 'J&amp;S Foods', 'mumbai');</a:t>
-            </a:r>
-            <a:endParaRPr lang="en-US" dirty="0"/>
-          </a:p>
-        </p:txBody>
-      </p:sp>
+        </p:nvPicPr>
+        <p:blipFill>
+          <a:blip r:embed="rId3"/>
+          <a:srcRect/>
+          <a:stretch>
+            <a:fillRect/>
+          </a:stretch>
+        </p:blipFill>
+        <p:spPr bwMode="auto">
+          <a:xfrm>
+            <a:off x="1380298" y="2786058"/>
+            <a:ext cx="9410700" cy="3305175"/>
+          </a:xfrm>
+          <a:prstGeom prst="rect">
+            <a:avLst/>
+          </a:prstGeom>
+          <a:noFill/>
+          <a:ln w="9525">
+            <a:noFill/>
+            <a:miter lim="800000"/>
+            <a:headEnd/>
+            <a:tailEnd/>
+          </a:ln>
+          <a:effectLst/>
+        </p:spPr>
+      </p:pic>
     </p:spTree>
     <p:extLst>
       <p:ext uri="{BB962C8B-B14F-4D97-AF65-F5344CB8AC3E}">
@@ -5261,7 +5294,7 @@
 </p:sld>
 </file>
 
-<file path=ppt/slides/slide3.xml><?xml version="1.0" encoding="utf-8"?>
+<file path=ppt/slides/slide4.xml><?xml version="1.0" encoding="utf-8"?>
 <p:sld xmlns:a="http://schemas.openxmlformats.org/drawingml/2006/main" xmlns:r="http://schemas.openxmlformats.org/officeDocument/2006/relationships" xmlns:p="http://schemas.openxmlformats.org/presentationml/2006/main">
   <p:cSld>
     <p:spTree>
@@ -5278,6 +5311,37 @@
           <a:chExt cx="0" cy="0"/>
         </a:xfrm>
       </p:grpSpPr>
+      <p:sp>
+        <p:nvSpPr>
+          <p:cNvPr id="5" name="Rectangle 4"/>
+          <p:cNvSpPr/>
+          <p:nvPr/>
+        </p:nvSpPr>
+        <p:spPr>
+          <a:xfrm>
+            <a:off x="152380" y="908720"/>
+            <a:ext cx="11631458" cy="400110"/>
+          </a:xfrm>
+          <a:prstGeom prst="rect">
+            <a:avLst/>
+          </a:prstGeom>
+        </p:spPr>
+        <p:txBody>
+          <a:bodyPr wrap="square">
+            <a:spAutoFit/>
+          </a:bodyPr>
+          <a:lstStyle/>
+          <a:p>
+            <a:r>
+              <a:rPr lang="en-IN" sz="2000" dirty="0">
+                <a:latin typeface="Palatino Linotype" panose="02040502050505030304" pitchFamily="18" charset="0"/>
+                <a:cs typeface="Arial" panose="020B0604020202020204" pitchFamily="34" charset="0"/>
+              </a:rPr>
+              <a:t>The NATURAL JOIN is such a join that performs the same task as an INNER JOIN.</a:t>
+            </a:r>
+          </a:p>
+        </p:txBody>
+      </p:sp>
       <p:pic>
         <p:nvPicPr>
           <p:cNvPr id="10" name="Picture 9">
@@ -5492,217 +5556,269 @@
           </a:p>
         </p:txBody>
       </p:sp>
-      <p:pic>
-        <p:nvPicPr>
-          <p:cNvPr id="1028" name="Picture 4"/>
-          <p:cNvPicPr>
-            <a:picLocks noChangeAspect="1" noChangeArrowheads="1"/>
-          </p:cNvPicPr>
-          <p:nvPr/>
-        </p:nvPicPr>
-        <p:blipFill>
-          <a:blip r:embed="rId3" cstate="print"/>
-          <a:srcRect/>
-          <a:stretch>
-            <a:fillRect/>
-          </a:stretch>
-        </p:blipFill>
-        <p:spPr bwMode="auto">
-          <a:xfrm>
-            <a:off x="5519142" y="1736918"/>
-            <a:ext cx="5174528" cy="2160240"/>
-          </a:xfrm>
-          <a:prstGeom prst="rect">
-            <a:avLst/>
-          </a:prstGeom>
-          <a:noFill/>
-          <a:ln w="9525">
-            <a:noFill/>
-            <a:miter lim="800000"/>
-            <a:headEnd/>
-            <a:tailEnd/>
-          </a:ln>
-        </p:spPr>
-      </p:pic>
-      <p:pic>
-        <p:nvPicPr>
-          <p:cNvPr id="1029" name="Picture 5"/>
-          <p:cNvPicPr>
-            <a:picLocks noChangeAspect="1" noChangeArrowheads="1"/>
-          </p:cNvPicPr>
-          <p:nvPr/>
-        </p:nvPicPr>
-        <p:blipFill>
-          <a:blip r:embed="rId4" cstate="print"/>
-          <a:srcRect/>
-          <a:stretch>
-            <a:fillRect/>
-          </a:stretch>
-        </p:blipFill>
-        <p:spPr bwMode="auto">
-          <a:xfrm>
-            <a:off x="262558" y="1748965"/>
-            <a:ext cx="5040560" cy="2544131"/>
-          </a:xfrm>
-          <a:prstGeom prst="rect">
-            <a:avLst/>
-          </a:prstGeom>
-          <a:noFill/>
-          <a:ln w="9525">
-            <a:noFill/>
-            <a:miter lim="800000"/>
-            <a:headEnd/>
-            <a:tailEnd/>
-          </a:ln>
-        </p:spPr>
-      </p:pic>
-      <p:sp>
-        <p:nvSpPr>
-          <p:cNvPr id="30" name="Rectangle 29"/>
+      <p:sp>
+        <p:nvSpPr>
+          <p:cNvPr id="9" name="Rectangle 8"/>
           <p:cNvSpPr/>
           <p:nvPr/>
         </p:nvSpPr>
         <p:spPr>
           <a:xfrm>
-            <a:off x="262558" y="1268760"/>
-            <a:ext cx="2078518" cy="369332"/>
-          </a:xfrm>
-          <a:prstGeom prst="rect">
-            <a:avLst/>
-          </a:prstGeom>
-        </p:spPr>
-        <p:txBody>
-          <a:bodyPr wrap="none">
+            <a:off x="1198662" y="1700808"/>
+            <a:ext cx="3744416" cy="3693319"/>
+          </a:xfrm>
+          <a:prstGeom prst="rect">
+            <a:avLst/>
+          </a:prstGeom>
+        </p:spPr>
+        <p:txBody>
+          <a:bodyPr wrap="square">
             <a:spAutoFit/>
           </a:bodyPr>
           <a:lstStyle/>
           <a:p>
             <a:r>
-              <a:rPr lang="en-US" b="1" dirty="0" smtClean="0"/>
-              <a:t>Sample table: foods</a:t>
-            </a:r>
-            <a:endParaRPr lang="en-US" dirty="0"/>
-          </a:p>
-        </p:txBody>
-      </p:sp>
-      <p:sp>
-        <p:nvSpPr>
-          <p:cNvPr id="31" name="Rectangle 30"/>
+              <a:rPr lang="en-US" dirty="0" smtClean="0">
+                <a:latin typeface="Palatino Linotype" pitchFamily="18" charset="0"/>
+              </a:rPr>
+              <a:t>CREATE TABLE company (</a:t>
+            </a:r>
+          </a:p>
+          <a:p>
+            <a:r>
+              <a:rPr lang="en-US" dirty="0" smtClean="0">
+                <a:latin typeface="Palatino Linotype" pitchFamily="18" charset="0"/>
+              </a:rPr>
+              <a:t>    company_id INT,</a:t>
+            </a:r>
+          </a:p>
+          <a:p>
+            <a:r>
+              <a:rPr lang="en-US" dirty="0" smtClean="0">
+                <a:latin typeface="Palatino Linotype" pitchFamily="18" charset="0"/>
+              </a:rPr>
+              <a:t>    company_name VARCHAR(45),</a:t>
+            </a:r>
+          </a:p>
+          <a:p>
+            <a:r>
+              <a:rPr lang="en-US" dirty="0" smtClean="0">
+                <a:latin typeface="Palatino Linotype" pitchFamily="18" charset="0"/>
+              </a:rPr>
+              <a:t>    company_city VARCHAR(45)</a:t>
+            </a:r>
+          </a:p>
+          <a:p>
+            <a:r>
+              <a:rPr lang="en-US" dirty="0" smtClean="0">
+                <a:latin typeface="Palatino Linotype" pitchFamily="18" charset="0"/>
+              </a:rPr>
+              <a:t>);</a:t>
+            </a:r>
+          </a:p>
+          <a:p>
+            <a:endParaRPr lang="en-US" dirty="0" smtClean="0">
+              <a:latin typeface="Palatino Linotype" pitchFamily="18" charset="0"/>
+            </a:endParaRPr>
+          </a:p>
+          <a:p>
+            <a:endParaRPr lang="en-US" dirty="0" smtClean="0">
+              <a:latin typeface="Palatino Linotype" pitchFamily="18" charset="0"/>
+            </a:endParaRPr>
+          </a:p>
+          <a:p>
+            <a:endParaRPr lang="en-US" dirty="0" smtClean="0">
+              <a:latin typeface="Palatino Linotype" pitchFamily="18" charset="0"/>
+            </a:endParaRPr>
+          </a:p>
+          <a:p>
+            <a:r>
+              <a:rPr lang="en-US" dirty="0" smtClean="0">
+                <a:latin typeface="Palatino Linotype" pitchFamily="18" charset="0"/>
+              </a:rPr>
+              <a:t>CREATE </a:t>
+            </a:r>
+            <a:r>
+              <a:rPr lang="en-US" dirty="0" smtClean="0">
+                <a:latin typeface="Palatino Linotype" pitchFamily="18" charset="0"/>
+              </a:rPr>
+              <a:t>TABLE food (</a:t>
+            </a:r>
+          </a:p>
+          <a:p>
+            <a:r>
+              <a:rPr lang="en-US" dirty="0" smtClean="0">
+                <a:latin typeface="Palatino Linotype" pitchFamily="18" charset="0"/>
+              </a:rPr>
+              <a:t>    item_id INT,</a:t>
+            </a:r>
+          </a:p>
+          <a:p>
+            <a:r>
+              <a:rPr lang="en-US" dirty="0" smtClean="0">
+                <a:latin typeface="Palatino Linotype" pitchFamily="18" charset="0"/>
+              </a:rPr>
+              <a:t>    item_name VARCHAR(45),</a:t>
+            </a:r>
+          </a:p>
+          <a:p>
+            <a:r>
+              <a:rPr lang="en-US" dirty="0" smtClean="0">
+                <a:latin typeface="Palatino Linotype" pitchFamily="18" charset="0"/>
+              </a:rPr>
+              <a:t>    item_unit VARCHAR(45),</a:t>
+            </a:r>
+          </a:p>
+          <a:p>
+            <a:r>
+              <a:rPr lang="en-US" dirty="0" smtClean="0">
+                <a:latin typeface="Palatino Linotype" pitchFamily="18" charset="0"/>
+              </a:rPr>
+              <a:t>    company_id INT  </a:t>
+            </a:r>
+            <a:r>
+              <a:rPr lang="en-US" dirty="0" smtClean="0">
+                <a:latin typeface="Palatino Linotype" pitchFamily="18" charset="0"/>
+              </a:rPr>
+              <a:t>);</a:t>
+            </a:r>
+            <a:endParaRPr lang="en-US" dirty="0" smtClean="0">
+              <a:latin typeface="Palatino Linotype" pitchFamily="18" charset="0"/>
+            </a:endParaRPr>
+          </a:p>
+        </p:txBody>
+      </p:sp>
+      <p:sp>
+        <p:nvSpPr>
+          <p:cNvPr id="11" name="Rectangle 10"/>
           <p:cNvSpPr/>
           <p:nvPr/>
         </p:nvSpPr>
         <p:spPr>
           <a:xfrm>
-            <a:off x="5519142" y="1268760"/>
-            <a:ext cx="2418098" cy="369332"/>
-          </a:xfrm>
-          <a:prstGeom prst="rect">
-            <a:avLst/>
-          </a:prstGeom>
-        </p:spPr>
-        <p:txBody>
-          <a:bodyPr wrap="none">
+            <a:off x="5663158" y="1628800"/>
+            <a:ext cx="6092825" cy="4524315"/>
+          </a:xfrm>
+          <a:prstGeom prst="rect">
+            <a:avLst/>
+          </a:prstGeom>
+        </p:spPr>
+        <p:txBody>
+          <a:bodyPr>
             <a:spAutoFit/>
           </a:bodyPr>
           <a:lstStyle/>
           <a:p>
             <a:r>
-              <a:rPr lang="en-US" b="1" dirty="0" smtClean="0"/>
-              <a:t>Sample table: company</a:t>
-            </a:r>
+              <a:rPr lang="en-US" dirty="0" smtClean="0"/>
+              <a:t>INSERT INTO company  VALUES (18, '</a:t>
+            </a:r>
+            <a:r>
+              <a:rPr lang="en-US" dirty="0" err="1" smtClean="0"/>
+              <a:t>Akas</a:t>
+            </a:r>
+            <a:r>
+              <a:rPr lang="en-US" dirty="0" smtClean="0"/>
+              <a:t> Foods', 'pune');</a:t>
+            </a:r>
+          </a:p>
+          <a:p>
+            <a:r>
+              <a:rPr lang="en-US" dirty="0" smtClean="0"/>
+              <a:t>INSERT INTO company  VALUES (15, 'Foodies', 'baroda');</a:t>
+            </a:r>
+          </a:p>
+          <a:p>
+            <a:r>
+              <a:rPr lang="en-US" dirty="0" smtClean="0"/>
+              <a:t>INSERT INTO company  VALUES (16, 'Gold Foods', 'surat');</a:t>
+            </a:r>
+          </a:p>
+          <a:p>
+            <a:r>
+              <a:rPr lang="en-US" dirty="0" smtClean="0"/>
+              <a:t>INSERT INTO company  VALUES (17, 'Natural </a:t>
+            </a:r>
+            <a:r>
+              <a:rPr lang="en-US" dirty="0" err="1" smtClean="0"/>
+              <a:t>Foons</a:t>
+            </a:r>
+            <a:r>
+              <a:rPr lang="en-US" dirty="0" smtClean="0"/>
+              <a:t>', 'pune');</a:t>
+            </a:r>
+          </a:p>
+          <a:p>
+            <a:r>
+              <a:rPr lang="en-US" dirty="0" smtClean="0"/>
+              <a:t>INSERT INTO company  VALUES (19, 'J&amp;S Foods', '</a:t>
+            </a:r>
+            <a:r>
+              <a:rPr lang="en-US" dirty="0" err="1" smtClean="0"/>
+              <a:t>mumbai</a:t>
+            </a:r>
+            <a:r>
+              <a:rPr lang="en-US" dirty="0" smtClean="0"/>
+              <a:t>');</a:t>
+            </a:r>
+          </a:p>
+          <a:p>
+            <a:endParaRPr lang="en-US" dirty="0" smtClean="0"/>
+          </a:p>
+          <a:p>
+            <a:endParaRPr lang="en-US" dirty="0" smtClean="0"/>
+          </a:p>
+          <a:p>
+            <a:r>
+              <a:rPr lang="en-US" dirty="0" smtClean="0"/>
+              <a:t>INSERT </a:t>
+            </a:r>
+            <a:r>
+              <a:rPr lang="en-US" dirty="0" smtClean="0"/>
+              <a:t>INTO food VALUES (1, 'biscuit', 'packet',18);</a:t>
+            </a:r>
+          </a:p>
+          <a:p>
+            <a:r>
+              <a:rPr lang="en-US" dirty="0" smtClean="0"/>
+              <a:t>INSERT INTO food VALUES (4, 'cakes', 'Pcs', 15);</a:t>
+            </a:r>
+          </a:p>
+          <a:p>
+            <a:r>
+              <a:rPr lang="en-US" dirty="0" smtClean="0"/>
+              <a:t>INSERT INTO food VALUES (6, 'cheez', 'packet', 16);</a:t>
+            </a:r>
+          </a:p>
+          <a:p>
+            <a:r>
+              <a:rPr lang="en-US" dirty="0" smtClean="0"/>
+              <a:t>INSERT INTO food VALUES (5, 'butter', 'packet', 17);</a:t>
+            </a:r>
+          </a:p>
+          <a:p>
+            <a:r>
+              <a:rPr lang="en-US" dirty="0" smtClean="0"/>
+              <a:t>INSERT INTO food VALUES (2, 'bread', 'packet', 19);</a:t>
+            </a:r>
+          </a:p>
+          <a:p>
+            <a:r>
+              <a:rPr lang="en-US" dirty="0" smtClean="0"/>
+              <a:t>INSERT INTO food VALUES (7, 'eggs', 'Pcs', NULL);</a:t>
+            </a:r>
+          </a:p>
+          <a:p>
+            <a:r>
+              <a:rPr lang="en-US" dirty="0" smtClean="0"/>
+              <a:t>INSERT INTO food VALUES (3, 'salt', 'packet', NULL);</a:t>
+            </a:r>
+          </a:p>
+          <a:p>
+            <a:endParaRPr lang="en-US" dirty="0" smtClean="0"/>
+          </a:p>
+          <a:p>
             <a:endParaRPr lang="en-US" dirty="0"/>
-          </a:p>
-        </p:txBody>
-      </p:sp>
-      <p:sp>
-        <p:nvSpPr>
-          <p:cNvPr id="33" name="Rectangle 32"/>
-          <p:cNvSpPr/>
-          <p:nvPr/>
-        </p:nvSpPr>
-        <p:spPr>
-          <a:xfrm>
-            <a:off x="334566" y="2606932"/>
-            <a:ext cx="4896544" cy="288032"/>
-          </a:xfrm>
-          <a:prstGeom prst="rect">
-            <a:avLst/>
-          </a:prstGeom>
-          <a:noFill/>
-          <a:ln>
-            <a:solidFill>
-              <a:srgbClr val="FF0000"/>
-            </a:solidFill>
-          </a:ln>
-        </p:spPr>
-        <p:style>
-          <a:lnRef idx="2">
-            <a:schemeClr val="accent1">
-              <a:shade val="50000"/>
-            </a:schemeClr>
-          </a:lnRef>
-          <a:fillRef idx="1">
-            <a:schemeClr val="accent1"/>
-          </a:fillRef>
-          <a:effectRef idx="0">
-            <a:schemeClr val="accent1"/>
-          </a:effectRef>
-          <a:fontRef idx="minor">
-            <a:schemeClr val="lt1"/>
-          </a:fontRef>
-        </p:style>
-        <p:txBody>
-          <a:bodyPr rtlCol="0" anchor="ctr"/>
-          <a:lstStyle/>
-          <a:p>
-            <a:pPr algn="ctr"/>
-            <a:endParaRPr lang="en-US"/>
-          </a:p>
-        </p:txBody>
-      </p:sp>
-      <p:sp>
-        <p:nvSpPr>
-          <p:cNvPr id="35" name="Rectangle 34"/>
-          <p:cNvSpPr/>
-          <p:nvPr/>
-        </p:nvSpPr>
-        <p:spPr>
-          <a:xfrm>
-            <a:off x="334566" y="3687052"/>
-            <a:ext cx="4896544" cy="288032"/>
-          </a:xfrm>
-          <a:prstGeom prst="rect">
-            <a:avLst/>
-          </a:prstGeom>
-          <a:noFill/>
-          <a:ln>
-            <a:solidFill>
-              <a:srgbClr val="FF0000"/>
-            </a:solidFill>
-          </a:ln>
-        </p:spPr>
-        <p:style>
-          <a:lnRef idx="2">
-            <a:schemeClr val="accent1">
-              <a:shade val="50000"/>
-            </a:schemeClr>
-          </a:lnRef>
-          <a:fillRef idx="1">
-            <a:schemeClr val="accent1"/>
-          </a:fillRef>
-          <a:effectRef idx="0">
-            <a:schemeClr val="accent1"/>
-          </a:effectRef>
-          <a:fontRef idx="minor">
-            <a:schemeClr val="lt1"/>
-          </a:fontRef>
-        </p:style>
-        <p:txBody>
-          <a:bodyPr rtlCol="0" anchor="ctr"/>
-          <a:lstStyle/>
-          <a:p>
-            <a:pPr algn="ctr"/>
-            <a:endParaRPr lang="en-US"/>
           </a:p>
         </p:txBody>
       </p:sp>
@@ -5726,7 +5842,7 @@
 </p:sld>
 </file>
 
-<file path=ppt/slides/slide4.xml><?xml version="1.0" encoding="utf-8"?>
+<file path=ppt/slides/slide5.xml><?xml version="1.0" encoding="utf-8"?>
 <p:sld xmlns:a="http://schemas.openxmlformats.org/drawingml/2006/main" xmlns:r="http://schemas.openxmlformats.org/officeDocument/2006/relationships" xmlns:p="http://schemas.openxmlformats.org/presentationml/2006/main">
   <p:cSld>
     <p:spTree>
@@ -5743,65 +5859,6 @@
           <a:chExt cx="0" cy="0"/>
         </a:xfrm>
       </p:grpSpPr>
-      <p:sp>
-        <p:nvSpPr>
-          <p:cNvPr id="7" name="Rectangle 6"/>
-          <p:cNvSpPr/>
-          <p:nvPr/>
-        </p:nvSpPr>
-        <p:spPr>
-          <a:xfrm>
-            <a:off x="184979" y="1399096"/>
-            <a:ext cx="11820454" cy="369332"/>
-          </a:xfrm>
-          <a:prstGeom prst="rect">
-            <a:avLst/>
-          </a:prstGeom>
-        </p:spPr>
-        <p:txBody>
-          <a:bodyPr wrap="square">
-            <a:spAutoFit/>
-          </a:bodyPr>
-          <a:lstStyle/>
-          <a:p>
-            <a:r>
-              <a:rPr lang="en-US" dirty="0">
-                <a:latin typeface="Liberation Mono"/>
-              </a:rPr>
-              <a:t>SELECT column-list </a:t>
-            </a:r>
-            <a:r>
-              <a:rPr lang="en-US" dirty="0" smtClean="0">
-                <a:latin typeface="Liberation Mono"/>
-              </a:rPr>
-              <a:t>FROM &lt;</a:t>
-            </a:r>
-            <a:r>
-              <a:rPr lang="en-US" dirty="0">
-                <a:latin typeface="Liberation Mono"/>
-              </a:rPr>
-              <a:t>table_references&gt; </a:t>
-            </a:r>
-            <a:r>
-              <a:rPr lang="en-US" b="1" dirty="0">
-                <a:uFill>
-                  <a:solidFill>
-                    <a:srgbClr val="FF0000"/>
-                  </a:solidFill>
-                </a:uFill>
-                <a:latin typeface="Liberation Mono"/>
-              </a:rPr>
-              <a:t>NATURAL JOIN </a:t>
-            </a:r>
-            <a:r>
-              <a:rPr lang="en-US" dirty="0">
-                <a:latin typeface="Liberation Mono"/>
-              </a:rPr>
-              <a:t>&lt;table_references&gt;</a:t>
-            </a:r>
-          </a:p>
-        </p:txBody>
-      </p:sp>
       <p:pic>
         <p:nvPicPr>
           <p:cNvPr id="10" name="Picture 9">
@@ -6016,42 +6073,9 @@
           </a:p>
         </p:txBody>
       </p:sp>
-      <p:sp>
-        <p:nvSpPr>
-          <p:cNvPr id="32" name="Rectangle 31"/>
-          <p:cNvSpPr/>
-          <p:nvPr/>
-        </p:nvSpPr>
-        <p:spPr>
-          <a:xfrm>
-            <a:off x="262558" y="2983272"/>
-            <a:ext cx="5301388" cy="369332"/>
-          </a:xfrm>
-          <a:prstGeom prst="rect">
-            <a:avLst/>
-          </a:prstGeom>
-        </p:spPr>
-        <p:txBody>
-          <a:bodyPr wrap="none">
-            <a:spAutoFit/>
-          </a:bodyPr>
-          <a:lstStyle/>
-          <a:p>
-            <a:r>
-              <a:rPr lang="en-US" dirty="0" smtClean="0">
-                <a:latin typeface="Palatino Linotype" pitchFamily="18" charset="0"/>
-              </a:rPr>
-              <a:t>SELECT * FROM food NATURAL JOIN company;</a:t>
-            </a:r>
-            <a:endParaRPr lang="en-US" dirty="0">
-              <a:latin typeface="Palatino Linotype" pitchFamily="18" charset="0"/>
-            </a:endParaRPr>
-          </a:p>
-        </p:txBody>
-      </p:sp>
       <p:pic>
         <p:nvPicPr>
-          <p:cNvPr id="2050" name="Picture 2"/>
+          <p:cNvPr id="1028" name="Picture 4"/>
           <p:cNvPicPr>
             <a:picLocks noChangeAspect="1" noChangeArrowheads="1"/>
           </p:cNvPicPr>
@@ -6066,8 +6090,8 @@
         </p:blipFill>
         <p:spPr bwMode="auto">
           <a:xfrm>
-            <a:off x="334566" y="3487328"/>
-            <a:ext cx="7794701" cy="1656184"/>
+            <a:off x="5519142" y="1736918"/>
+            <a:ext cx="5174528" cy="2160240"/>
           </a:xfrm>
           <a:prstGeom prst="rect">
             <a:avLst/>
@@ -6081,77 +6105,48 @@
           </a:ln>
         </p:spPr>
       </p:pic>
-      <p:sp>
-        <p:nvSpPr>
-          <p:cNvPr id="13" name="Rectangle 12"/>
+      <p:pic>
+        <p:nvPicPr>
+          <p:cNvPr id="1029" name="Picture 5"/>
+          <p:cNvPicPr>
+            <a:picLocks noChangeAspect="1" noChangeArrowheads="1"/>
+          </p:cNvPicPr>
+          <p:nvPr/>
+        </p:nvPicPr>
+        <p:blipFill>
+          <a:blip r:embed="rId4" cstate="print"/>
+          <a:srcRect/>
+          <a:stretch>
+            <a:fillRect/>
+          </a:stretch>
+        </p:blipFill>
+        <p:spPr bwMode="auto">
+          <a:xfrm>
+            <a:off x="262558" y="1748965"/>
+            <a:ext cx="5040560" cy="2544131"/>
+          </a:xfrm>
+          <a:prstGeom prst="rect">
+            <a:avLst/>
+          </a:prstGeom>
+          <a:noFill/>
+          <a:ln w="9525">
+            <a:noFill/>
+            <a:miter lim="800000"/>
+            <a:headEnd/>
+            <a:tailEnd/>
+          </a:ln>
+        </p:spPr>
+      </p:pic>
+      <p:sp>
+        <p:nvSpPr>
+          <p:cNvPr id="30" name="Rectangle 29"/>
           <p:cNvSpPr/>
           <p:nvPr/>
         </p:nvSpPr>
         <p:spPr>
           <a:xfrm>
-            <a:off x="262558" y="2047168"/>
-            <a:ext cx="7848872" cy="646331"/>
-          </a:xfrm>
-          <a:prstGeom prst="rect">
-            <a:avLst/>
-          </a:prstGeom>
-        </p:spPr>
-        <p:txBody>
-          <a:bodyPr wrap="square">
-            <a:spAutoFit/>
-          </a:bodyPr>
-          <a:lstStyle/>
-          <a:p>
-            <a:pPr marL="342900" indent="-342900">
-              <a:buFont typeface="Arial" pitchFamily="34" charset="0"/>
-              <a:buChar char="•"/>
-            </a:pPr>
-            <a:r>
-              <a:rPr lang="en-US" b="1" dirty="0" smtClean="0">
-                <a:latin typeface="Palatino Linotype" pitchFamily="18" charset="0"/>
-              </a:rPr>
-              <a:t>food</a:t>
-            </a:r>
-            <a:r>
-              <a:rPr lang="en-US" dirty="0" smtClean="0">
-                <a:latin typeface="Palatino Linotype" pitchFamily="18" charset="0"/>
-              </a:rPr>
-              <a:t> = { item_id, item_name, item_unit, company_id }</a:t>
-            </a:r>
-          </a:p>
-          <a:p>
-            <a:pPr marL="342900" indent="-342900">
-              <a:buFont typeface="Arial" pitchFamily="34" charset="0"/>
-              <a:buChar char="•"/>
-            </a:pPr>
-            <a:r>
-              <a:rPr lang="en-US" b="1" dirty="0" smtClean="0">
-                <a:latin typeface="Palatino Linotype" pitchFamily="18" charset="0"/>
-              </a:rPr>
-              <a:t>company</a:t>
-            </a:r>
-            <a:r>
-              <a:rPr lang="en-US" dirty="0" smtClean="0">
-                <a:latin typeface="Palatino Linotype" pitchFamily="18" charset="0"/>
-              </a:rPr>
-              <a:t> = { company_id, company_name, company_city }</a:t>
-            </a:r>
-            <a:endParaRPr lang="en-US" dirty="0">
-              <a:latin typeface="Palatino Linotype" pitchFamily="18" charset="0"/>
-            </a:endParaRPr>
-          </a:p>
-        </p:txBody>
-      </p:sp>
-      <p:sp>
-        <p:nvSpPr>
-          <p:cNvPr id="9" name="Rectangle 8"/>
-          <p:cNvSpPr/>
-          <p:nvPr/>
-        </p:nvSpPr>
-        <p:spPr>
-          <a:xfrm>
-            <a:off x="406574" y="836712"/>
-            <a:ext cx="851515" cy="369332"/>
+            <a:off x="262558" y="1268760"/>
+            <a:ext cx="2078518" cy="369332"/>
           </a:xfrm>
           <a:prstGeom prst="rect">
             <a:avLst/>
@@ -6164,12 +6159,131 @@
           <a:lstStyle/>
           <a:p>
             <a:r>
-              <a:rPr lang="en-US" dirty="0" smtClean="0">
-                <a:latin typeface="Liberation Mono"/>
-              </a:rPr>
-              <a:t>syntax</a:t>
+              <a:rPr lang="en-US" b="1" dirty="0" smtClean="0"/>
+              <a:t>Sample table: foods</a:t>
             </a:r>
             <a:endParaRPr lang="en-US" dirty="0"/>
+          </a:p>
+        </p:txBody>
+      </p:sp>
+      <p:sp>
+        <p:nvSpPr>
+          <p:cNvPr id="31" name="Rectangle 30"/>
+          <p:cNvSpPr/>
+          <p:nvPr/>
+        </p:nvSpPr>
+        <p:spPr>
+          <a:xfrm>
+            <a:off x="5519142" y="1268760"/>
+            <a:ext cx="2418098" cy="369332"/>
+          </a:xfrm>
+          <a:prstGeom prst="rect">
+            <a:avLst/>
+          </a:prstGeom>
+        </p:spPr>
+        <p:txBody>
+          <a:bodyPr wrap="none">
+            <a:spAutoFit/>
+          </a:bodyPr>
+          <a:lstStyle/>
+          <a:p>
+            <a:r>
+              <a:rPr lang="en-US" b="1" dirty="0" smtClean="0"/>
+              <a:t>Sample table: company</a:t>
+            </a:r>
+            <a:endParaRPr lang="en-US" dirty="0"/>
+          </a:p>
+        </p:txBody>
+      </p:sp>
+      <p:sp>
+        <p:nvSpPr>
+          <p:cNvPr id="33" name="Rectangle 32"/>
+          <p:cNvSpPr/>
+          <p:nvPr/>
+        </p:nvSpPr>
+        <p:spPr>
+          <a:xfrm>
+            <a:off x="334566" y="2606932"/>
+            <a:ext cx="4896544" cy="288032"/>
+          </a:xfrm>
+          <a:prstGeom prst="rect">
+            <a:avLst/>
+          </a:prstGeom>
+          <a:noFill/>
+          <a:ln>
+            <a:solidFill>
+              <a:srgbClr val="FF0000"/>
+            </a:solidFill>
+          </a:ln>
+        </p:spPr>
+        <p:style>
+          <a:lnRef idx="2">
+            <a:schemeClr val="accent1">
+              <a:shade val="50000"/>
+            </a:schemeClr>
+          </a:lnRef>
+          <a:fillRef idx="1">
+            <a:schemeClr val="accent1"/>
+          </a:fillRef>
+          <a:effectRef idx="0">
+            <a:schemeClr val="accent1"/>
+          </a:effectRef>
+          <a:fontRef idx="minor">
+            <a:schemeClr val="lt1"/>
+          </a:fontRef>
+        </p:style>
+        <p:txBody>
+          <a:bodyPr rtlCol="0" anchor="ctr"/>
+          <a:lstStyle/>
+          <a:p>
+            <a:pPr algn="ctr"/>
+            <a:endParaRPr lang="en-US"/>
+          </a:p>
+        </p:txBody>
+      </p:sp>
+      <p:sp>
+        <p:nvSpPr>
+          <p:cNvPr id="35" name="Rectangle 34"/>
+          <p:cNvSpPr/>
+          <p:nvPr/>
+        </p:nvSpPr>
+        <p:spPr>
+          <a:xfrm>
+            <a:off x="334566" y="3687052"/>
+            <a:ext cx="4896544" cy="288032"/>
+          </a:xfrm>
+          <a:prstGeom prst="rect">
+            <a:avLst/>
+          </a:prstGeom>
+          <a:noFill/>
+          <a:ln>
+            <a:solidFill>
+              <a:srgbClr val="FF0000"/>
+            </a:solidFill>
+          </a:ln>
+        </p:spPr>
+        <p:style>
+          <a:lnRef idx="2">
+            <a:schemeClr val="accent1">
+              <a:shade val="50000"/>
+            </a:schemeClr>
+          </a:lnRef>
+          <a:fillRef idx="1">
+            <a:schemeClr val="accent1"/>
+          </a:fillRef>
+          <a:effectRef idx="0">
+            <a:schemeClr val="accent1"/>
+          </a:effectRef>
+          <a:fontRef idx="minor">
+            <a:schemeClr val="lt1"/>
+          </a:fontRef>
+        </p:style>
+        <p:txBody>
+          <a:bodyPr rtlCol="0" anchor="ctr"/>
+          <a:lstStyle/>
+          <a:p>
+            <a:pPr algn="ctr"/>
+            <a:endParaRPr lang="en-US"/>
           </a:p>
         </p:txBody>
       </p:sp>
@@ -6193,7 +6307,7 @@
 </p:sld>
 </file>
 
-<file path=ppt/slides/slide5.xml><?xml version="1.0" encoding="utf-8"?>
+<file path=ppt/slides/slide6.xml><?xml version="1.0" encoding="utf-8"?>
 <p:sld xmlns:a="http://schemas.openxmlformats.org/drawingml/2006/main" xmlns:r="http://schemas.openxmlformats.org/officeDocument/2006/relationships" xmlns:p="http://schemas.openxmlformats.org/presentationml/2006/main">
   <p:cSld>
     <p:spTree>
@@ -6218,7 +6332,7 @@
         </p:nvSpPr>
         <p:spPr>
           <a:xfrm>
-            <a:off x="184979" y="908720"/>
+            <a:off x="184979" y="1399096"/>
             <a:ext cx="11820454" cy="369332"/>
           </a:xfrm>
           <a:prstGeom prst="rect">
@@ -6483,30 +6597,163 @@
           </a:p>
         </p:txBody>
       </p:sp>
+      <p:sp>
+        <p:nvSpPr>
+          <p:cNvPr id="32" name="Rectangle 31"/>
+          <p:cNvSpPr/>
+          <p:nvPr/>
+        </p:nvSpPr>
+        <p:spPr>
+          <a:xfrm>
+            <a:off x="262558" y="2983272"/>
+            <a:ext cx="5301388" cy="369332"/>
+          </a:xfrm>
+          <a:prstGeom prst="rect">
+            <a:avLst/>
+          </a:prstGeom>
+        </p:spPr>
+        <p:txBody>
+          <a:bodyPr wrap="none">
+            <a:spAutoFit/>
+          </a:bodyPr>
+          <a:lstStyle/>
+          <a:p>
+            <a:r>
+              <a:rPr lang="en-US" dirty="0" smtClean="0">
+                <a:latin typeface="Palatino Linotype" pitchFamily="18" charset="0"/>
+              </a:rPr>
+              <a:t>SELECT * FROM food NATURAL JOIN company;</a:t>
+            </a:r>
+            <a:endParaRPr lang="en-US" dirty="0">
+              <a:latin typeface="Palatino Linotype" pitchFamily="18" charset="0"/>
+            </a:endParaRPr>
+          </a:p>
+        </p:txBody>
+      </p:sp>
       <p:pic>
         <p:nvPicPr>
-          <p:cNvPr id="9" name="Picture 8"/>
+          <p:cNvPr id="2050" name="Picture 2"/>
           <p:cNvPicPr>
-            <a:picLocks noChangeAspect="1"/>
+            <a:picLocks noChangeAspect="1" noChangeArrowheads="1"/>
           </p:cNvPicPr>
           <p:nvPr/>
         </p:nvPicPr>
         <p:blipFill>
-          <a:blip r:embed="rId3"/>
+          <a:blip r:embed="rId3" cstate="print"/>
+          <a:srcRect/>
           <a:stretch>
             <a:fillRect/>
           </a:stretch>
         </p:blipFill>
-        <p:spPr>
-          <a:xfrm>
-            <a:off x="1188293" y="1982445"/>
-            <a:ext cx="9505056" cy="3398456"/>
-          </a:xfrm>
-          <a:prstGeom prst="rect">
-            <a:avLst/>
-          </a:prstGeom>
+        <p:spPr bwMode="auto">
+          <a:xfrm>
+            <a:off x="334566" y="3487328"/>
+            <a:ext cx="7794701" cy="1656184"/>
+          </a:xfrm>
+          <a:prstGeom prst="rect">
+            <a:avLst/>
+          </a:prstGeom>
+          <a:noFill/>
+          <a:ln w="9525">
+            <a:noFill/>
+            <a:miter lim="800000"/>
+            <a:headEnd/>
+            <a:tailEnd/>
+          </a:ln>
         </p:spPr>
       </p:pic>
+      <p:sp>
+        <p:nvSpPr>
+          <p:cNvPr id="13" name="Rectangle 12"/>
+          <p:cNvSpPr/>
+          <p:nvPr/>
+        </p:nvSpPr>
+        <p:spPr>
+          <a:xfrm>
+            <a:off x="262558" y="2047168"/>
+            <a:ext cx="7848872" cy="646331"/>
+          </a:xfrm>
+          <a:prstGeom prst="rect">
+            <a:avLst/>
+          </a:prstGeom>
+        </p:spPr>
+        <p:txBody>
+          <a:bodyPr wrap="square">
+            <a:spAutoFit/>
+          </a:bodyPr>
+          <a:lstStyle/>
+          <a:p>
+            <a:pPr marL="342900" indent="-342900">
+              <a:buFont typeface="Arial" pitchFamily="34" charset="0"/>
+              <a:buChar char="•"/>
+            </a:pPr>
+            <a:r>
+              <a:rPr lang="en-US" b="1" dirty="0" smtClean="0">
+                <a:latin typeface="Palatino Linotype" pitchFamily="18" charset="0"/>
+              </a:rPr>
+              <a:t>food</a:t>
+            </a:r>
+            <a:r>
+              <a:rPr lang="en-US" dirty="0" smtClean="0">
+                <a:latin typeface="Palatino Linotype" pitchFamily="18" charset="0"/>
+              </a:rPr>
+              <a:t> = { item_id, item_name, item_unit, company_id }</a:t>
+            </a:r>
+          </a:p>
+          <a:p>
+            <a:pPr marL="342900" indent="-342900">
+              <a:buFont typeface="Arial" pitchFamily="34" charset="0"/>
+              <a:buChar char="•"/>
+            </a:pPr>
+            <a:r>
+              <a:rPr lang="en-US" b="1" dirty="0" smtClean="0">
+                <a:latin typeface="Palatino Linotype" pitchFamily="18" charset="0"/>
+              </a:rPr>
+              <a:t>company</a:t>
+            </a:r>
+            <a:r>
+              <a:rPr lang="en-US" dirty="0" smtClean="0">
+                <a:latin typeface="Palatino Linotype" pitchFamily="18" charset="0"/>
+              </a:rPr>
+              <a:t> = { company_id, company_name, company_city }</a:t>
+            </a:r>
+            <a:endParaRPr lang="en-US" dirty="0">
+              <a:latin typeface="Palatino Linotype" pitchFamily="18" charset="0"/>
+            </a:endParaRPr>
+          </a:p>
+        </p:txBody>
+      </p:sp>
+      <p:sp>
+        <p:nvSpPr>
+          <p:cNvPr id="9" name="Rectangle 8"/>
+          <p:cNvSpPr/>
+          <p:nvPr/>
+        </p:nvSpPr>
+        <p:spPr>
+          <a:xfrm>
+            <a:off x="406574" y="836712"/>
+            <a:ext cx="851515" cy="369332"/>
+          </a:xfrm>
+          <a:prstGeom prst="rect">
+            <a:avLst/>
+          </a:prstGeom>
+        </p:spPr>
+        <p:txBody>
+          <a:bodyPr wrap="none">
+            <a:spAutoFit/>
+          </a:bodyPr>
+          <a:lstStyle/>
+          <a:p>
+            <a:r>
+              <a:rPr lang="en-US" dirty="0" smtClean="0">
+                <a:latin typeface="Liberation Mono"/>
+              </a:rPr>
+              <a:t>syntax</a:t>
+            </a:r>
+            <a:endParaRPr lang="en-US" dirty="0"/>
+          </a:p>
+        </p:txBody>
+      </p:sp>
     </p:spTree>
     <p:extLst>
       <p:ext uri="{BB962C8B-B14F-4D97-AF65-F5344CB8AC3E}">
@@ -6520,85 +6767,14 @@
   <p:timing>
     <p:tnLst>
       <p:par>
-        <p:cTn id="1" dur="indefinite" restart="never" nodeType="tmRoot">
-          <p:childTnLst>
-            <p:seq concurrent="1" nextAc="seek">
-              <p:cTn id="2" dur="indefinite" nodeType="mainSeq">
-                <p:childTnLst>
-                  <p:par>
-                    <p:cTn id="3" fill="hold">
-                      <p:stCondLst>
-                        <p:cond delay="indefinite"/>
-                      </p:stCondLst>
-                      <p:childTnLst>
-                        <p:par>
-                          <p:cTn id="4" fill="hold">
-                            <p:stCondLst>
-                              <p:cond delay="0"/>
-                            </p:stCondLst>
-                            <p:childTnLst>
-                              <p:par>
-                                <p:cTn id="5" presetID="1" presetClass="entr" presetSubtype="0" fill="hold" grpId="0" nodeType="clickEffect">
-                                  <p:stCondLst>
-                                    <p:cond delay="0"/>
-                                  </p:stCondLst>
-                                  <p:childTnLst>
-                                    <p:set>
-                                      <p:cBhvr>
-                                        <p:cTn id="6" dur="1" fill="hold">
-                                          <p:stCondLst>
-                                            <p:cond delay="0"/>
-                                          </p:stCondLst>
-                                        </p:cTn>
-                                        <p:tgtEl>
-                                          <p:spTgt spid="7"/>
-                                        </p:tgtEl>
-                                        <p:attrNameLst>
-                                          <p:attrName>style.visibility</p:attrName>
-                                        </p:attrNameLst>
-                                      </p:cBhvr>
-                                      <p:to>
-                                        <p:strVal val="visible"/>
-                                      </p:to>
-                                    </p:set>
-                                  </p:childTnLst>
-                                </p:cTn>
-                              </p:par>
-                            </p:childTnLst>
-                          </p:cTn>
-                        </p:par>
-                      </p:childTnLst>
-                    </p:cTn>
-                  </p:par>
-                </p:childTnLst>
-              </p:cTn>
-              <p:prevCondLst>
-                <p:cond evt="onPrev" delay="0">
-                  <p:tgtEl>
-                    <p:sldTgt/>
-                  </p:tgtEl>
-                </p:cond>
-              </p:prevCondLst>
-              <p:nextCondLst>
-                <p:cond evt="onNext" delay="0">
-                  <p:tgtEl>
-                    <p:sldTgt/>
-                  </p:tgtEl>
-                </p:cond>
-              </p:nextCondLst>
-            </p:seq>
-          </p:childTnLst>
-        </p:cTn>
+        <p:cTn id="1" dur="indefinite" restart="never" nodeType="tmRoot"/>
       </p:par>
     </p:tnLst>
-    <p:bldLst>
-      <p:bldP spid="7" grpId="0"/>
-    </p:bldLst>
   </p:timing>
 </p:sld>
 </file>
 
-<file path=ppt/slides/slide6.xml><?xml version="1.0" encoding="utf-8"?>
+<file path=ppt/slides/slide7.xml><?xml version="1.0" encoding="utf-8"?>
 <p:sld xmlns:a="http://schemas.openxmlformats.org/drawingml/2006/main" xmlns:r="http://schemas.openxmlformats.org/officeDocument/2006/relationships" xmlns:p="http://schemas.openxmlformats.org/presentationml/2006/main">
   <p:cSld>
     <p:spTree>
